--- a/Slides_5.pptx
+++ b/Slides_5.pptx
@@ -4,8 +4,13 @@
   <p:sldMasterIdLst>
     <p:sldMasterId id="2147483648" r:id="rId1"/>
   </p:sldMasterIdLst>
+  <p:notesMasterIdLst>
+    <p:notesMasterId r:id="rId5"/>
+  </p:notesMasterIdLst>
   <p:sldIdLst>
     <p:sldId id="256" r:id="rId2"/>
+    <p:sldId id="257" r:id="rId3"/>
+    <p:sldId id="258" r:id="rId4"/>
   </p:sldIdLst>
   <p:sldSz cx="12192000" cy="6858000"/>
   <p:notesSz cx="6858000" cy="9144000"/>
@@ -105,6 +110,489 @@
     </a:lvl9pPr>
   </p:defaultTextStyle>
 </p:presentation>
+</file>
+
+<file path=ppt/notesMasters/notesMaster1.xml><?xml version="1.0" encoding="utf-8"?>
+<p:notesMaster xmlns:a="http://schemas.openxmlformats.org/drawingml/2006/main" xmlns:r="http://schemas.openxmlformats.org/officeDocument/2006/relationships" xmlns:p="http://schemas.openxmlformats.org/presentationml/2006/main">
+  <p:cSld>
+    <p:bg>
+      <p:bgRef idx="1001">
+        <a:schemeClr val="bg1"/>
+      </p:bgRef>
+    </p:bg>
+    <p:spTree>
+      <p:nvGrpSpPr>
+        <p:cNvPr id="1" name=""/>
+        <p:cNvGrpSpPr/>
+        <p:nvPr/>
+      </p:nvGrpSpPr>
+      <p:grpSpPr>
+        <a:xfrm>
+          <a:off x="0" y="0"/>
+          <a:ext cx="0" cy="0"/>
+          <a:chOff x="0" y="0"/>
+          <a:chExt cx="0" cy="0"/>
+        </a:xfrm>
+      </p:grpSpPr>
+      <p:sp>
+        <p:nvSpPr>
+          <p:cNvPr id="2" name="Header Placeholder 1"/>
+          <p:cNvSpPr>
+            <a:spLocks noGrp="1"/>
+          </p:cNvSpPr>
+          <p:nvPr>
+            <p:ph type="hdr" sz="quarter"/>
+          </p:nvPr>
+        </p:nvSpPr>
+        <p:spPr>
+          <a:xfrm>
+            <a:off x="0" y="0"/>
+            <a:ext cx="2971800" cy="458788"/>
+          </a:xfrm>
+          <a:prstGeom prst="rect">
+            <a:avLst/>
+          </a:prstGeom>
+        </p:spPr>
+        <p:txBody>
+          <a:bodyPr vert="horz" lIns="91440" tIns="45720" rIns="91440" bIns="45720" rtlCol="0"/>
+          <a:lstStyle>
+            <a:lvl1pPr algn="l">
+              <a:defRPr sz="1200"/>
+            </a:lvl1pPr>
+          </a:lstStyle>
+          <a:p>
+            <a:endParaRPr lang="fr-FR"/>
+          </a:p>
+        </p:txBody>
+      </p:sp>
+      <p:sp>
+        <p:nvSpPr>
+          <p:cNvPr id="3" name="Date Placeholder 2"/>
+          <p:cNvSpPr>
+            <a:spLocks noGrp="1"/>
+          </p:cNvSpPr>
+          <p:nvPr>
+            <p:ph type="dt" idx="1"/>
+          </p:nvPr>
+        </p:nvSpPr>
+        <p:spPr>
+          <a:xfrm>
+            <a:off x="3884613" y="0"/>
+            <a:ext cx="2971800" cy="458788"/>
+          </a:xfrm>
+          <a:prstGeom prst="rect">
+            <a:avLst/>
+          </a:prstGeom>
+        </p:spPr>
+        <p:txBody>
+          <a:bodyPr vert="horz" lIns="91440" tIns="45720" rIns="91440" bIns="45720" rtlCol="0"/>
+          <a:lstStyle>
+            <a:lvl1pPr algn="r">
+              <a:defRPr sz="1200"/>
+            </a:lvl1pPr>
+          </a:lstStyle>
+          <a:p>
+            <a:fld id="{8D847F30-6D87-4FF5-AB60-09A63558FD47}" type="datetimeFigureOut">
+              <a:rPr lang="fr-FR" smtClean="0"/>
+              <a:t>22/01/2023</a:t>
+            </a:fld>
+            <a:endParaRPr lang="fr-FR"/>
+          </a:p>
+        </p:txBody>
+      </p:sp>
+      <p:sp>
+        <p:nvSpPr>
+          <p:cNvPr id="4" name="Slide Image Placeholder 3"/>
+          <p:cNvSpPr>
+            <a:spLocks noGrp="1" noRot="1" noChangeAspect="1"/>
+          </p:cNvSpPr>
+          <p:nvPr>
+            <p:ph type="sldImg" idx="2"/>
+          </p:nvPr>
+        </p:nvSpPr>
+        <p:spPr>
+          <a:xfrm>
+            <a:off x="685800" y="1143000"/>
+            <a:ext cx="5486400" cy="3086100"/>
+          </a:xfrm>
+          <a:prstGeom prst="rect">
+            <a:avLst/>
+          </a:prstGeom>
+          <a:noFill/>
+          <a:ln w="12700">
+            <a:solidFill>
+              <a:prstClr val="black"/>
+            </a:solidFill>
+          </a:ln>
+        </p:spPr>
+        <p:txBody>
+          <a:bodyPr vert="horz" lIns="91440" tIns="45720" rIns="91440" bIns="45720" rtlCol="0" anchor="ctr"/>
+          <a:lstStyle/>
+          <a:p>
+            <a:endParaRPr lang="fr-FR"/>
+          </a:p>
+        </p:txBody>
+      </p:sp>
+      <p:sp>
+        <p:nvSpPr>
+          <p:cNvPr id="5" name="Notes Placeholder 4"/>
+          <p:cNvSpPr>
+            <a:spLocks noGrp="1"/>
+          </p:cNvSpPr>
+          <p:nvPr>
+            <p:ph type="body" sz="quarter" idx="3"/>
+          </p:nvPr>
+        </p:nvSpPr>
+        <p:spPr>
+          <a:xfrm>
+            <a:off x="685800" y="4400550"/>
+            <a:ext cx="5486400" cy="3600450"/>
+          </a:xfrm>
+          <a:prstGeom prst="rect">
+            <a:avLst/>
+          </a:prstGeom>
+        </p:spPr>
+        <p:txBody>
+          <a:bodyPr vert="horz" lIns="91440" tIns="45720" rIns="91440" bIns="45720" rtlCol="0"/>
+          <a:lstStyle/>
+          <a:p>
+            <a:pPr lvl="0"/>
+            <a:r>
+              <a:rPr lang="en-US"/>
+              <a:t>Click to edit Master text styles</a:t>
+            </a:r>
+          </a:p>
+          <a:p>
+            <a:pPr lvl="1"/>
+            <a:r>
+              <a:rPr lang="en-US"/>
+              <a:t>Second level</a:t>
+            </a:r>
+          </a:p>
+          <a:p>
+            <a:pPr lvl="2"/>
+            <a:r>
+              <a:rPr lang="en-US"/>
+              <a:t>Third level</a:t>
+            </a:r>
+          </a:p>
+          <a:p>
+            <a:pPr lvl="3"/>
+            <a:r>
+              <a:rPr lang="en-US"/>
+              <a:t>Fourth level</a:t>
+            </a:r>
+          </a:p>
+          <a:p>
+            <a:pPr lvl="4"/>
+            <a:r>
+              <a:rPr lang="en-US"/>
+              <a:t>Fifth level</a:t>
+            </a:r>
+            <a:endParaRPr lang="fr-FR"/>
+          </a:p>
+        </p:txBody>
+      </p:sp>
+      <p:sp>
+        <p:nvSpPr>
+          <p:cNvPr id="6" name="Footer Placeholder 5"/>
+          <p:cNvSpPr>
+            <a:spLocks noGrp="1"/>
+          </p:cNvSpPr>
+          <p:nvPr>
+            <p:ph type="ftr" sz="quarter" idx="4"/>
+          </p:nvPr>
+        </p:nvSpPr>
+        <p:spPr>
+          <a:xfrm>
+            <a:off x="0" y="8685213"/>
+            <a:ext cx="2971800" cy="458787"/>
+          </a:xfrm>
+          <a:prstGeom prst="rect">
+            <a:avLst/>
+          </a:prstGeom>
+        </p:spPr>
+        <p:txBody>
+          <a:bodyPr vert="horz" lIns="91440" tIns="45720" rIns="91440" bIns="45720" rtlCol="0" anchor="b"/>
+          <a:lstStyle>
+            <a:lvl1pPr algn="l">
+              <a:defRPr sz="1200"/>
+            </a:lvl1pPr>
+          </a:lstStyle>
+          <a:p>
+            <a:endParaRPr lang="fr-FR"/>
+          </a:p>
+        </p:txBody>
+      </p:sp>
+      <p:sp>
+        <p:nvSpPr>
+          <p:cNvPr id="7" name="Slide Number Placeholder 6"/>
+          <p:cNvSpPr>
+            <a:spLocks noGrp="1"/>
+          </p:cNvSpPr>
+          <p:nvPr>
+            <p:ph type="sldNum" sz="quarter" idx="5"/>
+          </p:nvPr>
+        </p:nvSpPr>
+        <p:spPr>
+          <a:xfrm>
+            <a:off x="3884613" y="8685213"/>
+            <a:ext cx="2971800" cy="458787"/>
+          </a:xfrm>
+          <a:prstGeom prst="rect">
+            <a:avLst/>
+          </a:prstGeom>
+        </p:spPr>
+        <p:txBody>
+          <a:bodyPr vert="horz" lIns="91440" tIns="45720" rIns="91440" bIns="45720" rtlCol="0" anchor="b"/>
+          <a:lstStyle>
+            <a:lvl1pPr algn="r">
+              <a:defRPr sz="1200"/>
+            </a:lvl1pPr>
+          </a:lstStyle>
+          <a:p>
+            <a:fld id="{36828A07-D046-4481-98A0-46C92F81D437}" type="slidenum">
+              <a:rPr lang="fr-FR" smtClean="0"/>
+              <a:t>‹#›</a:t>
+            </a:fld>
+            <a:endParaRPr lang="fr-FR"/>
+          </a:p>
+        </p:txBody>
+      </p:sp>
+    </p:spTree>
+    <p:extLst>
+      <p:ext uri="{BB962C8B-B14F-4D97-AF65-F5344CB8AC3E}">
+        <p14:creationId xmlns:p14="http://schemas.microsoft.com/office/powerpoint/2010/main" val="1422178161"/>
+      </p:ext>
+    </p:extLst>
+  </p:cSld>
+  <p:clrMap bg1="lt1" tx1="dk1" bg2="lt2" tx2="dk2" accent1="accent1" accent2="accent2" accent3="accent3" accent4="accent4" accent5="accent5" accent6="accent6" hlink="hlink" folHlink="folHlink"/>
+  <p:notesStyle>
+    <a:lvl1pPr marL="0" algn="l" defTabSz="914400" rtl="0" eaLnBrk="1" latinLnBrk="0" hangingPunct="1">
+      <a:defRPr sz="1200" kern="1200">
+        <a:solidFill>
+          <a:schemeClr val="tx1"/>
+        </a:solidFill>
+        <a:latin typeface="+mn-lt"/>
+        <a:ea typeface="+mn-ea"/>
+        <a:cs typeface="+mn-cs"/>
+      </a:defRPr>
+    </a:lvl1pPr>
+    <a:lvl2pPr marL="457200" algn="l" defTabSz="914400" rtl="0" eaLnBrk="1" latinLnBrk="0" hangingPunct="1">
+      <a:defRPr sz="1200" kern="1200">
+        <a:solidFill>
+          <a:schemeClr val="tx1"/>
+        </a:solidFill>
+        <a:latin typeface="+mn-lt"/>
+        <a:ea typeface="+mn-ea"/>
+        <a:cs typeface="+mn-cs"/>
+      </a:defRPr>
+    </a:lvl2pPr>
+    <a:lvl3pPr marL="914400" algn="l" defTabSz="914400" rtl="0" eaLnBrk="1" latinLnBrk="0" hangingPunct="1">
+      <a:defRPr sz="1200" kern="1200">
+        <a:solidFill>
+          <a:schemeClr val="tx1"/>
+        </a:solidFill>
+        <a:latin typeface="+mn-lt"/>
+        <a:ea typeface="+mn-ea"/>
+        <a:cs typeface="+mn-cs"/>
+      </a:defRPr>
+    </a:lvl3pPr>
+    <a:lvl4pPr marL="1371600" algn="l" defTabSz="914400" rtl="0" eaLnBrk="1" latinLnBrk="0" hangingPunct="1">
+      <a:defRPr sz="1200" kern="1200">
+        <a:solidFill>
+          <a:schemeClr val="tx1"/>
+        </a:solidFill>
+        <a:latin typeface="+mn-lt"/>
+        <a:ea typeface="+mn-ea"/>
+        <a:cs typeface="+mn-cs"/>
+      </a:defRPr>
+    </a:lvl4pPr>
+    <a:lvl5pPr marL="1828800" algn="l" defTabSz="914400" rtl="0" eaLnBrk="1" latinLnBrk="0" hangingPunct="1">
+      <a:defRPr sz="1200" kern="1200">
+        <a:solidFill>
+          <a:schemeClr val="tx1"/>
+        </a:solidFill>
+        <a:latin typeface="+mn-lt"/>
+        <a:ea typeface="+mn-ea"/>
+        <a:cs typeface="+mn-cs"/>
+      </a:defRPr>
+    </a:lvl5pPr>
+    <a:lvl6pPr marL="2286000" algn="l" defTabSz="914400" rtl="0" eaLnBrk="1" latinLnBrk="0" hangingPunct="1">
+      <a:defRPr sz="1200" kern="1200">
+        <a:solidFill>
+          <a:schemeClr val="tx1"/>
+        </a:solidFill>
+        <a:latin typeface="+mn-lt"/>
+        <a:ea typeface="+mn-ea"/>
+        <a:cs typeface="+mn-cs"/>
+      </a:defRPr>
+    </a:lvl6pPr>
+    <a:lvl7pPr marL="2743200" algn="l" defTabSz="914400" rtl="0" eaLnBrk="1" latinLnBrk="0" hangingPunct="1">
+      <a:defRPr sz="1200" kern="1200">
+        <a:solidFill>
+          <a:schemeClr val="tx1"/>
+        </a:solidFill>
+        <a:latin typeface="+mn-lt"/>
+        <a:ea typeface="+mn-ea"/>
+        <a:cs typeface="+mn-cs"/>
+      </a:defRPr>
+    </a:lvl7pPr>
+    <a:lvl8pPr marL="3200400" algn="l" defTabSz="914400" rtl="0" eaLnBrk="1" latinLnBrk="0" hangingPunct="1">
+      <a:defRPr sz="1200" kern="1200">
+        <a:solidFill>
+          <a:schemeClr val="tx1"/>
+        </a:solidFill>
+        <a:latin typeface="+mn-lt"/>
+        <a:ea typeface="+mn-ea"/>
+        <a:cs typeface="+mn-cs"/>
+      </a:defRPr>
+    </a:lvl8pPr>
+    <a:lvl9pPr marL="3657600" algn="l" defTabSz="914400" rtl="0" eaLnBrk="1" latinLnBrk="0" hangingPunct="1">
+      <a:defRPr sz="1200" kern="1200">
+        <a:solidFill>
+          <a:schemeClr val="tx1"/>
+        </a:solidFill>
+        <a:latin typeface="+mn-lt"/>
+        <a:ea typeface="+mn-ea"/>
+        <a:cs typeface="+mn-cs"/>
+      </a:defRPr>
+    </a:lvl9pPr>
+  </p:notesStyle>
+</p:notesMaster>
+</file>
+
+<file path=ppt/notesSlides/notesSlide1.xml><?xml version="1.0" encoding="utf-8"?>
+<p:notes xmlns:a="http://schemas.openxmlformats.org/drawingml/2006/main" xmlns:r="http://schemas.openxmlformats.org/officeDocument/2006/relationships" xmlns:p="http://schemas.openxmlformats.org/presentationml/2006/main">
+  <p:cSld>
+    <p:spTree>
+      <p:nvGrpSpPr>
+        <p:cNvPr id="1" name=""/>
+        <p:cNvGrpSpPr/>
+        <p:nvPr/>
+      </p:nvGrpSpPr>
+      <p:grpSpPr>
+        <a:xfrm>
+          <a:off x="0" y="0"/>
+          <a:ext cx="0" cy="0"/>
+          <a:chOff x="0" y="0"/>
+          <a:chExt cx="0" cy="0"/>
+        </a:xfrm>
+      </p:grpSpPr>
+      <p:sp>
+        <p:nvSpPr>
+          <p:cNvPr id="2" name="Slide Image Placeholder 1"/>
+          <p:cNvSpPr>
+            <a:spLocks noGrp="1" noRot="1" noChangeAspect="1"/>
+          </p:cNvSpPr>
+          <p:nvPr>
+            <p:ph type="sldImg"/>
+          </p:nvPr>
+        </p:nvSpPr>
+        <p:spPr/>
+      </p:sp>
+      <p:sp>
+        <p:nvSpPr>
+          <p:cNvPr id="3" name="Notes Placeholder 2"/>
+          <p:cNvSpPr>
+            <a:spLocks noGrp="1"/>
+          </p:cNvSpPr>
+          <p:nvPr>
+            <p:ph type="body" idx="1"/>
+          </p:nvPr>
+        </p:nvSpPr>
+        <p:spPr/>
+        <p:txBody>
+          <a:bodyPr/>
+          <a:lstStyle/>
+          <a:p>
+            <a:pPr algn="l"/>
+            <a:r>
+              <a:rPr lang="en-US" b="0" i="0" dirty="0">
+                <a:solidFill>
+                  <a:srgbClr val="D1D5DB"/>
+                </a:solidFill>
+                <a:effectLst/>
+                <a:latin typeface="Söhne"/>
+              </a:rPr>
+              <a:t>In transfer learning, it's common to use pre-trained weights for the majority of the model and then fine-tune only a subset of the layers. This is because the lower layers* of a deep neural network tend to learn more general features, such as edges and textures, which are useful for a wide range of tasks. The higher layers*, on the other hand, tend to learn more task-specific features, such as object parts or object classes. Therefore, it's typically beneficial to keep the pre-trained weights for the lower layers*, while retraining the higher layers* to adapt them to the new task.</a:t>
+            </a:r>
+          </a:p>
+          <a:p>
+            <a:pPr algn="l"/>
+            <a:endParaRPr lang="en-US" b="0" i="0" dirty="0">
+              <a:solidFill>
+                <a:srgbClr val="D1D5DB"/>
+              </a:solidFill>
+              <a:effectLst/>
+              <a:latin typeface="Söhne"/>
+            </a:endParaRPr>
+          </a:p>
+          <a:p>
+            <a:pPr algn="l"/>
+            <a:r>
+              <a:rPr lang="en-US" b="0" i="0" dirty="0">
+                <a:solidFill>
+                  <a:srgbClr val="D1D5DB"/>
+                </a:solidFill>
+                <a:effectLst/>
+                <a:latin typeface="Söhne"/>
+              </a:rPr>
+              <a:t>However, it is not always necessary to retrain all the layers, it depends on the size of the dataset, the similarity between the old task and the new task, the computational resources and other factors. The choice of which layers to retrain and which to keep frozen can be determined through experimentation, such as by comparing the performance of different model configurations. That choice is a hyperparameter (again!).</a:t>
+            </a:r>
+          </a:p>
+          <a:p>
+            <a:endParaRPr lang="fr-FR" dirty="0"/>
+          </a:p>
+          <a:p>
+            <a:r>
+              <a:rPr lang="en-US" b="0" i="0">
+                <a:solidFill>
+                  <a:srgbClr val="D1D5DB"/>
+                </a:solidFill>
+                <a:effectLst/>
+                <a:latin typeface="Söhne"/>
+              </a:rPr>
+              <a:t>* The first layers, closest to the input, are referred to as the lower layers, while the last layers, closest to the output, are referred to as the higher layers.</a:t>
+            </a:r>
+            <a:endParaRPr lang="fr-FR" dirty="0"/>
+          </a:p>
+        </p:txBody>
+      </p:sp>
+      <p:sp>
+        <p:nvSpPr>
+          <p:cNvPr id="4" name="Slide Number Placeholder 3"/>
+          <p:cNvSpPr>
+            <a:spLocks noGrp="1"/>
+          </p:cNvSpPr>
+          <p:nvPr>
+            <p:ph type="sldNum" sz="quarter" idx="5"/>
+          </p:nvPr>
+        </p:nvSpPr>
+        <p:spPr/>
+        <p:txBody>
+          <a:bodyPr/>
+          <a:lstStyle/>
+          <a:p>
+            <a:fld id="{36828A07-D046-4481-98A0-46C92F81D437}" type="slidenum">
+              <a:rPr lang="fr-FR" smtClean="0"/>
+              <a:t>3</a:t>
+            </a:fld>
+            <a:endParaRPr lang="fr-FR"/>
+          </a:p>
+        </p:txBody>
+      </p:sp>
+    </p:spTree>
+    <p:extLst>
+      <p:ext uri="{BB962C8B-B14F-4D97-AF65-F5344CB8AC3E}">
+        <p14:creationId xmlns:p14="http://schemas.microsoft.com/office/powerpoint/2010/main" val="2244484092"/>
+      </p:ext>
+    </p:extLst>
+  </p:cSld>
+  <p:clrMapOvr>
+    <a:masterClrMapping/>
+  </p:clrMapOvr>
+</p:notes>
 </file>
 
 <file path=ppt/slideLayouts/slideLayout1.xml><?xml version="1.0" encoding="utf-8"?>
@@ -3429,6 +3917,341 @@
 </p:sld>
 </file>
 
+<file path=ppt/slides/slide2.xml><?xml version="1.0" encoding="utf-8"?>
+<p:sld xmlns:a="http://schemas.openxmlformats.org/drawingml/2006/main" xmlns:r="http://schemas.openxmlformats.org/officeDocument/2006/relationships" xmlns:p="http://schemas.openxmlformats.org/presentationml/2006/main">
+  <p:cSld>
+    <p:spTree>
+      <p:nvGrpSpPr>
+        <p:cNvPr id="1" name=""/>
+        <p:cNvGrpSpPr/>
+        <p:nvPr/>
+      </p:nvGrpSpPr>
+      <p:grpSpPr>
+        <a:xfrm>
+          <a:off x="0" y="0"/>
+          <a:ext cx="0" cy="0"/>
+          <a:chOff x="0" y="0"/>
+          <a:chExt cx="0" cy="0"/>
+        </a:xfrm>
+      </p:grpSpPr>
+      <p:sp>
+        <p:nvSpPr>
+          <p:cNvPr id="2" name="Title 1">
+            <a:extLst>
+              <a:ext uri="{FF2B5EF4-FFF2-40B4-BE49-F238E27FC236}">
+                <a16:creationId xmlns:a16="http://schemas.microsoft.com/office/drawing/2014/main" id="{F48A5DF5-9273-5D6E-84BD-2AF0BF7C3792}"/>
+              </a:ext>
+            </a:extLst>
+          </p:cNvPr>
+          <p:cNvSpPr>
+            <a:spLocks noGrp="1"/>
+          </p:cNvSpPr>
+          <p:nvPr>
+            <p:ph type="title"/>
+          </p:nvPr>
+        </p:nvSpPr>
+        <p:spPr/>
+        <p:txBody>
+          <a:bodyPr/>
+          <a:lstStyle/>
+          <a:p>
+            <a:r>
+              <a:rPr lang="en-GB" dirty="0"/>
+              <a:t>What is transfer learning</a:t>
+            </a:r>
+          </a:p>
+        </p:txBody>
+      </p:sp>
+      <p:sp>
+        <p:nvSpPr>
+          <p:cNvPr id="3" name="Content Placeholder 2">
+            <a:extLst>
+              <a:ext uri="{FF2B5EF4-FFF2-40B4-BE49-F238E27FC236}">
+                <a16:creationId xmlns:a16="http://schemas.microsoft.com/office/drawing/2014/main" id="{78DE23D1-93AB-510E-44AD-3DEF6577A04B}"/>
+              </a:ext>
+            </a:extLst>
+          </p:cNvPr>
+          <p:cNvSpPr>
+            <a:spLocks noGrp="1"/>
+          </p:cNvSpPr>
+          <p:nvPr>
+            <p:ph idx="1"/>
+          </p:nvPr>
+        </p:nvSpPr>
+        <p:spPr/>
+        <p:txBody>
+          <a:bodyPr/>
+          <a:lstStyle/>
+          <a:p>
+            <a:pPr algn="just"/>
+            <a:r>
+              <a:rPr lang="en-US" dirty="0"/>
+              <a:t>Reuse a model trained on one task as the starting point for a model on a second task</a:t>
+            </a:r>
+          </a:p>
+          <a:p>
+            <a:pPr algn="just"/>
+            <a:r>
+              <a:rPr lang="en-US" dirty="0"/>
+              <a:t>Allows the second model to benefit from the knowledge learned by the first model</a:t>
+            </a:r>
+          </a:p>
+          <a:p>
+            <a:pPr algn="just"/>
+            <a:r>
+              <a:rPr lang="en-US" dirty="0"/>
+              <a:t>Can lead to faster training times and improved performance on the second task</a:t>
+            </a:r>
+          </a:p>
+        </p:txBody>
+      </p:sp>
+    </p:spTree>
+    <p:extLst>
+      <p:ext uri="{BB962C8B-B14F-4D97-AF65-F5344CB8AC3E}">
+        <p14:creationId xmlns:p14="http://schemas.microsoft.com/office/powerpoint/2010/main" val="2308263640"/>
+      </p:ext>
+    </p:extLst>
+  </p:cSld>
+  <p:clrMapOvr>
+    <a:masterClrMapping/>
+  </p:clrMapOvr>
+  <p:timing>
+    <p:tnLst>
+      <p:par>
+        <p:cTn id="1" dur="indefinite" restart="never" nodeType="tmRoot">
+          <p:childTnLst>
+            <p:seq concurrent="1" nextAc="seek">
+              <p:cTn id="2" dur="indefinite" nodeType="mainSeq">
+                <p:childTnLst>
+                  <p:par>
+                    <p:cTn id="3" fill="hold">
+                      <p:stCondLst>
+                        <p:cond delay="indefinite"/>
+                      </p:stCondLst>
+                      <p:childTnLst>
+                        <p:par>
+                          <p:cTn id="4" fill="hold">
+                            <p:stCondLst>
+                              <p:cond delay="0"/>
+                            </p:stCondLst>
+                            <p:childTnLst>
+                              <p:par>
+                                <p:cTn id="5" presetID="10" presetClass="entr" presetSubtype="0" fill="hold" nodeType="clickEffect">
+                                  <p:stCondLst>
+                                    <p:cond delay="0"/>
+                                  </p:stCondLst>
+                                  <p:childTnLst>
+                                    <p:set>
+                                      <p:cBhvr>
+                                        <p:cTn id="6" dur="1" fill="hold">
+                                          <p:stCondLst>
+                                            <p:cond delay="0"/>
+                                          </p:stCondLst>
+                                        </p:cTn>
+                                        <p:tgtEl>
+                                          <p:spTgt spid="3">
+                                            <p:txEl>
+                                              <p:pRg st="1" end="1"/>
+                                            </p:txEl>
+                                          </p:spTgt>
+                                        </p:tgtEl>
+                                        <p:attrNameLst>
+                                          <p:attrName>style.visibility</p:attrName>
+                                        </p:attrNameLst>
+                                      </p:cBhvr>
+                                      <p:to>
+                                        <p:strVal val="visible"/>
+                                      </p:to>
+                                    </p:set>
+                                    <p:animEffect transition="in" filter="fade">
+                                      <p:cBhvr>
+                                        <p:cTn id="7" dur="500"/>
+                                        <p:tgtEl>
+                                          <p:spTgt spid="3">
+                                            <p:txEl>
+                                              <p:pRg st="1" end="1"/>
+                                            </p:txEl>
+                                          </p:spTgt>
+                                        </p:tgtEl>
+                                      </p:cBhvr>
+                                    </p:animEffect>
+                                  </p:childTnLst>
+                                </p:cTn>
+                              </p:par>
+                            </p:childTnLst>
+                          </p:cTn>
+                        </p:par>
+                      </p:childTnLst>
+                    </p:cTn>
+                  </p:par>
+                  <p:par>
+                    <p:cTn id="8" fill="hold">
+                      <p:stCondLst>
+                        <p:cond delay="indefinite"/>
+                      </p:stCondLst>
+                      <p:childTnLst>
+                        <p:par>
+                          <p:cTn id="9" fill="hold">
+                            <p:stCondLst>
+                              <p:cond delay="0"/>
+                            </p:stCondLst>
+                            <p:childTnLst>
+                              <p:par>
+                                <p:cTn id="10" presetID="10" presetClass="entr" presetSubtype="0" fill="hold" nodeType="clickEffect">
+                                  <p:stCondLst>
+                                    <p:cond delay="0"/>
+                                  </p:stCondLst>
+                                  <p:childTnLst>
+                                    <p:set>
+                                      <p:cBhvr>
+                                        <p:cTn id="11" dur="1" fill="hold">
+                                          <p:stCondLst>
+                                            <p:cond delay="0"/>
+                                          </p:stCondLst>
+                                        </p:cTn>
+                                        <p:tgtEl>
+                                          <p:spTgt spid="3">
+                                            <p:txEl>
+                                              <p:pRg st="2" end="2"/>
+                                            </p:txEl>
+                                          </p:spTgt>
+                                        </p:tgtEl>
+                                        <p:attrNameLst>
+                                          <p:attrName>style.visibility</p:attrName>
+                                        </p:attrNameLst>
+                                      </p:cBhvr>
+                                      <p:to>
+                                        <p:strVal val="visible"/>
+                                      </p:to>
+                                    </p:set>
+                                    <p:animEffect transition="in" filter="fade">
+                                      <p:cBhvr>
+                                        <p:cTn id="12" dur="500"/>
+                                        <p:tgtEl>
+                                          <p:spTgt spid="3">
+                                            <p:txEl>
+                                              <p:pRg st="2" end="2"/>
+                                            </p:txEl>
+                                          </p:spTgt>
+                                        </p:tgtEl>
+                                      </p:cBhvr>
+                                    </p:animEffect>
+                                  </p:childTnLst>
+                                </p:cTn>
+                              </p:par>
+                            </p:childTnLst>
+                          </p:cTn>
+                        </p:par>
+                      </p:childTnLst>
+                    </p:cTn>
+                  </p:par>
+                </p:childTnLst>
+              </p:cTn>
+              <p:prevCondLst>
+                <p:cond evt="onPrev" delay="0">
+                  <p:tgtEl>
+                    <p:sldTgt/>
+                  </p:tgtEl>
+                </p:cond>
+              </p:prevCondLst>
+              <p:nextCondLst>
+                <p:cond evt="onNext" delay="0">
+                  <p:tgtEl>
+                    <p:sldTgt/>
+                  </p:tgtEl>
+                </p:cond>
+              </p:nextCondLst>
+            </p:seq>
+          </p:childTnLst>
+        </p:cTn>
+      </p:par>
+    </p:tnLst>
+  </p:timing>
+</p:sld>
+</file>
+
+<file path=ppt/slides/slide3.xml><?xml version="1.0" encoding="utf-8"?>
+<p:sld xmlns:a="http://schemas.openxmlformats.org/drawingml/2006/main" xmlns:r="http://schemas.openxmlformats.org/officeDocument/2006/relationships" xmlns:p="http://schemas.openxmlformats.org/presentationml/2006/main">
+  <p:cSld>
+    <p:bg>
+      <p:bgPr>
+        <a:solidFill>
+          <a:schemeClr val="bg1"/>
+        </a:solidFill>
+        <a:effectLst/>
+      </p:bgPr>
+    </p:bg>
+    <p:spTree>
+      <p:nvGrpSpPr>
+        <p:cNvPr id="1" name=""/>
+        <p:cNvGrpSpPr/>
+        <p:nvPr/>
+      </p:nvGrpSpPr>
+      <p:grpSpPr>
+        <a:xfrm>
+          <a:off x="0" y="0"/>
+          <a:ext cx="0" cy="0"/>
+          <a:chOff x="0" y="0"/>
+          <a:chExt cx="0" cy="0"/>
+        </a:xfrm>
+      </p:grpSpPr>
+      <p:pic>
+        <p:nvPicPr>
+          <p:cNvPr id="5" name="Content Placeholder 4">
+            <a:extLst>
+              <a:ext uri="{FF2B5EF4-FFF2-40B4-BE49-F238E27FC236}">
+                <a16:creationId xmlns:a16="http://schemas.microsoft.com/office/drawing/2014/main" id="{F27F841D-6571-7A76-B532-8F24B8A10C2F}"/>
+              </a:ext>
+            </a:extLst>
+          </p:cNvPr>
+          <p:cNvPicPr>
+            <a:picLocks noGrp="1" noChangeAspect="1"/>
+          </p:cNvPicPr>
+          <p:nvPr>
+            <p:ph idx="1"/>
+          </p:nvPr>
+        </p:nvPicPr>
+        <p:blipFill>
+          <a:blip r:embed="rId3"/>
+          <a:stretch>
+            <a:fillRect/>
+          </a:stretch>
+        </p:blipFill>
+        <p:spPr>
+          <a:xfrm>
+            <a:off x="1938485" y="643466"/>
+            <a:ext cx="8315029" cy="5571067"/>
+          </a:xfrm>
+          <a:prstGeom prst="rect">
+            <a:avLst/>
+          </a:prstGeom>
+        </p:spPr>
+      </p:pic>
+    </p:spTree>
+    <p:extLst>
+      <p:ext uri="{BB962C8B-B14F-4D97-AF65-F5344CB8AC3E}">
+        <p14:creationId xmlns:p14="http://schemas.microsoft.com/office/powerpoint/2010/main" val="3509728695"/>
+      </p:ext>
+    </p:extLst>
+  </p:cSld>
+  <p:clrMapOvr>
+    <a:masterClrMapping/>
+  </p:clrMapOvr>
+  <mc:AlternateContent xmlns:mc="http://schemas.openxmlformats.org/markup-compatibility/2006">
+    <mc:Choice xmlns:p14="http://schemas.microsoft.com/office/powerpoint/2010/main" Requires="p14">
+      <p:transition spd="med" p14:dur="700">
+        <p:fade/>
+      </p:transition>
+    </mc:Choice>
+    <mc:Fallback>
+      <p:transition spd="med">
+        <p:fade/>
+      </p:transition>
+    </mc:Fallback>
+  </mc:AlternateContent>
+</p:sld>
+</file>
+
 <file path=ppt/theme/theme1.xml><?xml version="1.0" encoding="utf-8"?>
 <a:theme xmlns:a="http://schemas.openxmlformats.org/drawingml/2006/main" name="Office Theme">
   <a:themeElements>
@@ -3722,4 +4545,299 @@
     </a:ext>
   </a:extLst>
 </a:theme>
+</file>
+
+<file path=ppt/theme/theme2.xml><?xml version="1.0" encoding="utf-8"?>
+<a:theme xmlns:a="http://schemas.openxmlformats.org/drawingml/2006/main" name="Office Theme">
+  <a:themeElements>
+    <a:clrScheme name="Office">
+      <a:dk1>
+        <a:sysClr val="windowText" lastClr="000000"/>
+      </a:dk1>
+      <a:lt1>
+        <a:sysClr val="window" lastClr="FFFFFF"/>
+      </a:lt1>
+      <a:dk2>
+        <a:srgbClr val="44546A"/>
+      </a:dk2>
+      <a:lt2>
+        <a:srgbClr val="E7E6E6"/>
+      </a:lt2>
+      <a:accent1>
+        <a:srgbClr val="4472C4"/>
+      </a:accent1>
+      <a:accent2>
+        <a:srgbClr val="ED7D31"/>
+      </a:accent2>
+      <a:accent3>
+        <a:srgbClr val="A5A5A5"/>
+      </a:accent3>
+      <a:accent4>
+        <a:srgbClr val="FFC000"/>
+      </a:accent4>
+      <a:accent5>
+        <a:srgbClr val="5B9BD5"/>
+      </a:accent5>
+      <a:accent6>
+        <a:srgbClr val="70AD47"/>
+      </a:accent6>
+      <a:hlink>
+        <a:srgbClr val="0563C1"/>
+      </a:hlink>
+      <a:folHlink>
+        <a:srgbClr val="954F72"/>
+      </a:folHlink>
+    </a:clrScheme>
+    <a:fontScheme name="Office">
+      <a:majorFont>
+        <a:latin typeface="Calibri Light" panose="020F0302020204030204"/>
+        <a:ea typeface=""/>
+        <a:cs typeface=""/>
+        <a:font script="Jpan" typeface="游ゴシック Light"/>
+        <a:font script="Hang" typeface="맑은 고딕"/>
+        <a:font script="Hans" typeface="等线 Light"/>
+        <a:font script="Hant" typeface="新細明體"/>
+        <a:font script="Arab" typeface="Times New Roman"/>
+        <a:font script="Hebr" typeface="Times New Roman"/>
+        <a:font script="Thai" typeface="Angsana New"/>
+        <a:font script="Ethi" typeface="Nyala"/>
+        <a:font script="Beng" typeface="Vrinda"/>
+        <a:font script="Gujr" typeface="Shruti"/>
+        <a:font script="Khmr" typeface="MoolBoran"/>
+        <a:font script="Knda" typeface="Tunga"/>
+        <a:font script="Guru" typeface="Raavi"/>
+        <a:font script="Cans" typeface="Euphemia"/>
+        <a:font script="Cher" typeface="Plantagenet Cherokee"/>
+        <a:font script="Yiii" typeface="Microsoft Yi Baiti"/>
+        <a:font script="Tibt" typeface="Microsoft Himalaya"/>
+        <a:font script="Thaa" typeface="MV Boli"/>
+        <a:font script="Deva" typeface="Mangal"/>
+        <a:font script="Telu" typeface="Gautami"/>
+        <a:font script="Taml" typeface="Latha"/>
+        <a:font script="Syrc" typeface="Estrangelo Edessa"/>
+        <a:font script="Orya" typeface="Kalinga"/>
+        <a:font script="Mlym" typeface="Kartika"/>
+        <a:font script="Laoo" typeface="DokChampa"/>
+        <a:font script="Sinh" typeface="Iskoola Pota"/>
+        <a:font script="Mong" typeface="Mongolian Baiti"/>
+        <a:font script="Viet" typeface="Times New Roman"/>
+        <a:font script="Uigh" typeface="Microsoft Uighur"/>
+        <a:font script="Geor" typeface="Sylfaen"/>
+        <a:font script="Armn" typeface="Arial"/>
+        <a:font script="Bugi" typeface="Leelawadee UI"/>
+        <a:font script="Bopo" typeface="Microsoft JhengHei"/>
+        <a:font script="Java" typeface="Javanese Text"/>
+        <a:font script="Lisu" typeface="Segoe UI"/>
+        <a:font script="Mymr" typeface="Myanmar Text"/>
+        <a:font script="Nkoo" typeface="Ebrima"/>
+        <a:font script="Olck" typeface="Nirmala UI"/>
+        <a:font script="Osma" typeface="Ebrima"/>
+        <a:font script="Phag" typeface="Phagspa"/>
+        <a:font script="Syrn" typeface="Estrangelo Edessa"/>
+        <a:font script="Syrj" typeface="Estrangelo Edessa"/>
+        <a:font script="Syre" typeface="Estrangelo Edessa"/>
+        <a:font script="Sora" typeface="Nirmala UI"/>
+        <a:font script="Tale" typeface="Microsoft Tai Le"/>
+        <a:font script="Talu" typeface="Microsoft New Tai Lue"/>
+        <a:font script="Tfng" typeface="Ebrima"/>
+      </a:majorFont>
+      <a:minorFont>
+        <a:latin typeface="Calibri" panose="020F0502020204030204"/>
+        <a:ea typeface=""/>
+        <a:cs typeface=""/>
+        <a:font script="Jpan" typeface="游ゴシック"/>
+        <a:font script="Hang" typeface="맑은 고딕"/>
+        <a:font script="Hans" typeface="等线"/>
+        <a:font script="Hant" typeface="新細明體"/>
+        <a:font script="Arab" typeface="Arial"/>
+        <a:font script="Hebr" typeface="Arial"/>
+        <a:font script="Thai" typeface="Cordia New"/>
+        <a:font script="Ethi" typeface="Nyala"/>
+        <a:font script="Beng" typeface="Vrinda"/>
+        <a:font script="Gujr" typeface="Shruti"/>
+        <a:font script="Khmr" typeface="DaunPenh"/>
+        <a:font script="Knda" typeface="Tunga"/>
+        <a:font script="Guru" typeface="Raavi"/>
+        <a:font script="Cans" typeface="Euphemia"/>
+        <a:font script="Cher" typeface="Plantagenet Cherokee"/>
+        <a:font script="Yiii" typeface="Microsoft Yi Baiti"/>
+        <a:font script="Tibt" typeface="Microsoft Himalaya"/>
+        <a:font script="Thaa" typeface="MV Boli"/>
+        <a:font script="Deva" typeface="Mangal"/>
+        <a:font script="Telu" typeface="Gautami"/>
+        <a:font script="Taml" typeface="Latha"/>
+        <a:font script="Syrc" typeface="Estrangelo Edessa"/>
+        <a:font script="Orya" typeface="Kalinga"/>
+        <a:font script="Mlym" typeface="Kartika"/>
+        <a:font script="Laoo" typeface="DokChampa"/>
+        <a:font script="Sinh" typeface="Iskoola Pota"/>
+        <a:font script="Mong" typeface="Mongolian Baiti"/>
+        <a:font script="Viet" typeface="Arial"/>
+        <a:font script="Uigh" typeface="Microsoft Uighur"/>
+        <a:font script="Geor" typeface="Sylfaen"/>
+        <a:font script="Armn" typeface="Arial"/>
+        <a:font script="Bugi" typeface="Leelawadee UI"/>
+        <a:font script="Bopo" typeface="Microsoft JhengHei"/>
+        <a:font script="Java" typeface="Javanese Text"/>
+        <a:font script="Lisu" typeface="Segoe UI"/>
+        <a:font script="Mymr" typeface="Myanmar Text"/>
+        <a:font script="Nkoo" typeface="Ebrima"/>
+        <a:font script="Olck" typeface="Nirmala UI"/>
+        <a:font script="Osma" typeface="Ebrima"/>
+        <a:font script="Phag" typeface="Phagspa"/>
+        <a:font script="Syrn" typeface="Estrangelo Edessa"/>
+        <a:font script="Syrj" typeface="Estrangelo Edessa"/>
+        <a:font script="Syre" typeface="Estrangelo Edessa"/>
+        <a:font script="Sora" typeface="Nirmala UI"/>
+        <a:font script="Tale" typeface="Microsoft Tai Le"/>
+        <a:font script="Talu" typeface="Microsoft New Tai Lue"/>
+        <a:font script="Tfng" typeface="Ebrima"/>
+      </a:minorFont>
+    </a:fontScheme>
+    <a:fmtScheme name="Office">
+      <a:fillStyleLst>
+        <a:solidFill>
+          <a:schemeClr val="phClr"/>
+        </a:solidFill>
+        <a:gradFill rotWithShape="1">
+          <a:gsLst>
+            <a:gs pos="0">
+              <a:schemeClr val="phClr">
+                <a:lumMod val="110000"/>
+                <a:satMod val="105000"/>
+                <a:tint val="67000"/>
+              </a:schemeClr>
+            </a:gs>
+            <a:gs pos="50000">
+              <a:schemeClr val="phClr">
+                <a:lumMod val="105000"/>
+                <a:satMod val="103000"/>
+                <a:tint val="73000"/>
+              </a:schemeClr>
+            </a:gs>
+            <a:gs pos="100000">
+              <a:schemeClr val="phClr">
+                <a:lumMod val="105000"/>
+                <a:satMod val="109000"/>
+                <a:tint val="81000"/>
+              </a:schemeClr>
+            </a:gs>
+          </a:gsLst>
+          <a:lin ang="5400000" scaled="0"/>
+        </a:gradFill>
+        <a:gradFill rotWithShape="1">
+          <a:gsLst>
+            <a:gs pos="0">
+              <a:schemeClr val="phClr">
+                <a:satMod val="103000"/>
+                <a:lumMod val="102000"/>
+                <a:tint val="94000"/>
+              </a:schemeClr>
+            </a:gs>
+            <a:gs pos="50000">
+              <a:schemeClr val="phClr">
+                <a:satMod val="110000"/>
+                <a:lumMod val="100000"/>
+                <a:shade val="100000"/>
+              </a:schemeClr>
+            </a:gs>
+            <a:gs pos="100000">
+              <a:schemeClr val="phClr">
+                <a:lumMod val="99000"/>
+                <a:satMod val="120000"/>
+                <a:shade val="78000"/>
+              </a:schemeClr>
+            </a:gs>
+          </a:gsLst>
+          <a:lin ang="5400000" scaled="0"/>
+        </a:gradFill>
+      </a:fillStyleLst>
+      <a:lnStyleLst>
+        <a:ln w="6350" cap="flat" cmpd="sng" algn="ctr">
+          <a:solidFill>
+            <a:schemeClr val="phClr"/>
+          </a:solidFill>
+          <a:prstDash val="solid"/>
+          <a:miter lim="800000"/>
+        </a:ln>
+        <a:ln w="12700" cap="flat" cmpd="sng" algn="ctr">
+          <a:solidFill>
+            <a:schemeClr val="phClr"/>
+          </a:solidFill>
+          <a:prstDash val="solid"/>
+          <a:miter lim="800000"/>
+        </a:ln>
+        <a:ln w="19050" cap="flat" cmpd="sng" algn="ctr">
+          <a:solidFill>
+            <a:schemeClr val="phClr"/>
+          </a:solidFill>
+          <a:prstDash val="solid"/>
+          <a:miter lim="800000"/>
+        </a:ln>
+      </a:lnStyleLst>
+      <a:effectStyleLst>
+        <a:effectStyle>
+          <a:effectLst/>
+        </a:effectStyle>
+        <a:effectStyle>
+          <a:effectLst/>
+        </a:effectStyle>
+        <a:effectStyle>
+          <a:effectLst>
+            <a:outerShdw blurRad="57150" dist="19050" dir="5400000" algn="ctr" rotWithShape="0">
+              <a:srgbClr val="000000">
+                <a:alpha val="63000"/>
+              </a:srgbClr>
+            </a:outerShdw>
+          </a:effectLst>
+        </a:effectStyle>
+      </a:effectStyleLst>
+      <a:bgFillStyleLst>
+        <a:solidFill>
+          <a:schemeClr val="phClr"/>
+        </a:solidFill>
+        <a:solidFill>
+          <a:schemeClr val="phClr">
+            <a:tint val="95000"/>
+            <a:satMod val="170000"/>
+          </a:schemeClr>
+        </a:solidFill>
+        <a:gradFill rotWithShape="1">
+          <a:gsLst>
+            <a:gs pos="0">
+              <a:schemeClr val="phClr">
+                <a:tint val="93000"/>
+                <a:satMod val="150000"/>
+                <a:shade val="98000"/>
+                <a:lumMod val="102000"/>
+              </a:schemeClr>
+            </a:gs>
+            <a:gs pos="50000">
+              <a:schemeClr val="phClr">
+                <a:tint val="98000"/>
+                <a:satMod val="130000"/>
+                <a:shade val="90000"/>
+                <a:lumMod val="103000"/>
+              </a:schemeClr>
+            </a:gs>
+            <a:gs pos="100000">
+              <a:schemeClr val="phClr">
+                <a:shade val="63000"/>
+                <a:satMod val="120000"/>
+              </a:schemeClr>
+            </a:gs>
+          </a:gsLst>
+          <a:lin ang="5400000" scaled="0"/>
+        </a:gradFill>
+      </a:bgFillStyleLst>
+    </a:fmtScheme>
+  </a:themeElements>
+  <a:objectDefaults/>
+  <a:extraClrSchemeLst/>
+  <a:extLst>
+    <a:ext uri="{05A4C25C-085E-4340-85A3-A5531E510DB2}">
+      <thm15:themeFamily xmlns:thm15="http://schemas.microsoft.com/office/thememl/2012/main" name="Office Theme 2013 - 2022" id="{62F939B6-93AF-4DB8-9C6B-D6C7DFDC589F}" vid="{4A3C46E8-61CC-4603-A589-7422A47A8E4A}"/>
+    </a:ext>
+  </a:extLst>
+</a:theme>
 </file>
--- a/Slides_5.pptx
+++ b/Slides_5.pptx
@@ -5,12 +5,13 @@
     <p:sldMasterId id="2147483648" r:id="rId1"/>
   </p:sldMasterIdLst>
   <p:notesMasterIdLst>
-    <p:notesMasterId r:id="rId5"/>
+    <p:notesMasterId r:id="rId6"/>
   </p:notesMasterIdLst>
   <p:sldIdLst>
     <p:sldId id="256" r:id="rId2"/>
     <p:sldId id="257" r:id="rId3"/>
     <p:sldId id="258" r:id="rId4"/>
+    <p:sldId id="259" r:id="rId5"/>
   </p:sldIdLst>
   <p:sldSz cx="12192000" cy="6858000"/>
   <p:notesSz cx="6858000" cy="9144000"/>
@@ -546,7 +547,7 @@
           </a:p>
           <a:p>
             <a:r>
-              <a:rPr lang="en-US" b="0" i="0">
+              <a:rPr lang="en-US" b="0" i="0" dirty="0">
                 <a:solidFill>
                   <a:srgbClr val="D1D5DB"/>
                 </a:solidFill>
@@ -4249,6 +4250,100 @@
       </p:transition>
     </mc:Fallback>
   </mc:AlternateContent>
+</p:sld>
+</file>
+
+<file path=ppt/slides/slide4.xml><?xml version="1.0" encoding="utf-8"?>
+<p:sld xmlns:a="http://schemas.openxmlformats.org/drawingml/2006/main" xmlns:r="http://schemas.openxmlformats.org/officeDocument/2006/relationships" xmlns:p="http://schemas.openxmlformats.org/presentationml/2006/main">
+  <p:cSld>
+    <p:spTree>
+      <p:nvGrpSpPr>
+        <p:cNvPr id="1" name=""/>
+        <p:cNvGrpSpPr/>
+        <p:nvPr/>
+      </p:nvGrpSpPr>
+      <p:grpSpPr>
+        <a:xfrm>
+          <a:off x="0" y="0"/>
+          <a:ext cx="0" cy="0"/>
+          <a:chOff x="0" y="0"/>
+          <a:chExt cx="0" cy="0"/>
+        </a:xfrm>
+      </p:grpSpPr>
+      <p:sp>
+        <p:nvSpPr>
+          <p:cNvPr id="2" name="Title 1">
+            <a:extLst>
+              <a:ext uri="{FF2B5EF4-FFF2-40B4-BE49-F238E27FC236}">
+                <a16:creationId xmlns:a16="http://schemas.microsoft.com/office/drawing/2014/main" id="{F48A5DF5-9273-5D6E-84BD-2AF0BF7C3792}"/>
+              </a:ext>
+            </a:extLst>
+          </p:cNvPr>
+          <p:cNvSpPr>
+            <a:spLocks noGrp="1"/>
+          </p:cNvSpPr>
+          <p:nvPr>
+            <p:ph type="title"/>
+          </p:nvPr>
+        </p:nvSpPr>
+        <p:spPr/>
+        <p:txBody>
+          <a:bodyPr/>
+          <a:lstStyle/>
+          <a:p>
+            <a:r>
+              <a:rPr lang="en-GB" dirty="0"/>
+              <a:t>What does it look like in PyTorch</a:t>
+            </a:r>
+          </a:p>
+        </p:txBody>
+      </p:sp>
+      <p:sp>
+        <p:nvSpPr>
+          <p:cNvPr id="3" name="Content Placeholder 2">
+            <a:extLst>
+              <a:ext uri="{FF2B5EF4-FFF2-40B4-BE49-F238E27FC236}">
+                <a16:creationId xmlns:a16="http://schemas.microsoft.com/office/drawing/2014/main" id="{78DE23D1-93AB-510E-44AD-3DEF6577A04B}"/>
+              </a:ext>
+            </a:extLst>
+          </p:cNvPr>
+          <p:cNvSpPr>
+            <a:spLocks noGrp="1"/>
+          </p:cNvSpPr>
+          <p:nvPr>
+            <p:ph idx="1"/>
+          </p:nvPr>
+        </p:nvSpPr>
+        <p:spPr/>
+        <p:txBody>
+          <a:bodyPr/>
+          <a:lstStyle/>
+          <a:p>
+            <a:pPr marL="0" indent="0" algn="just">
+              <a:buNone/>
+            </a:pPr>
+            <a:r>
+              <a:rPr lang="en-US" dirty="0"/>
+              <a:t>-&gt; DL_Practice_5_a_solutions.ipynb </a:t>
+            </a:r>
+            <a:r>
+              <a:rPr lang="en-US"/>
+              <a:t>on Github</a:t>
+            </a:r>
+            <a:endParaRPr lang="en-US" dirty="0"/>
+          </a:p>
+        </p:txBody>
+      </p:sp>
+    </p:spTree>
+    <p:extLst>
+      <p:ext uri="{BB962C8B-B14F-4D97-AF65-F5344CB8AC3E}">
+        <p14:creationId xmlns:p14="http://schemas.microsoft.com/office/powerpoint/2010/main" val="3854688518"/>
+      </p:ext>
+    </p:extLst>
+  </p:cSld>
+  <p:clrMapOvr>
+    <a:masterClrMapping/>
+  </p:clrMapOvr>
 </p:sld>
 </file>
 

--- a/Slides_5.pptx
+++ b/Slides_5.pptx
@@ -5,13 +5,20 @@
     <p:sldMasterId id="2147483648" r:id="rId1"/>
   </p:sldMasterIdLst>
   <p:notesMasterIdLst>
-    <p:notesMasterId r:id="rId6"/>
+    <p:notesMasterId r:id="rId13"/>
   </p:notesMasterIdLst>
   <p:sldIdLst>
     <p:sldId id="256" r:id="rId2"/>
     <p:sldId id="257" r:id="rId3"/>
     <p:sldId id="258" r:id="rId4"/>
-    <p:sldId id="259" r:id="rId5"/>
+    <p:sldId id="266" r:id="rId5"/>
+    <p:sldId id="259" r:id="rId6"/>
+    <p:sldId id="260" r:id="rId7"/>
+    <p:sldId id="261" r:id="rId8"/>
+    <p:sldId id="262" r:id="rId9"/>
+    <p:sldId id="263" r:id="rId10"/>
+    <p:sldId id="264" r:id="rId11"/>
+    <p:sldId id="267" r:id="rId12"/>
   </p:sldIdLst>
   <p:sldSz cx="12192000" cy="6858000"/>
   <p:notesSz cx="6858000" cy="9144000"/>
@@ -110,7 +117,40 @@
       </a:defRPr>
     </a:lvl9pPr>
   </p:defaultTextStyle>
+  <p:extLst>
+    <p:ext uri="{EFAFB233-063F-42B5-8137-9DF3F51BA10A}">
+      <p15:sldGuideLst xmlns:p15="http://schemas.microsoft.com/office/powerpoint/2012/main"/>
+    </p:ext>
+  </p:extLst>
 </p:presentation>
+</file>
+
+<file path=ppt/ink/ink1.xml><?xml version="1.0" encoding="utf-8"?>
+<inkml:ink xmlns:inkml="http://www.w3.org/2003/InkML">
+  <inkml:definitions>
+    <inkml:context xml:id="ctx0">
+      <inkml:inkSource xml:id="inkSrc0">
+        <inkml:traceFormat>
+          <inkml:channel name="X" type="integer" min="-2.14748E9" max="2.14748E9" units="cm"/>
+          <inkml:channel name="Y" type="integer" min="-2.14748E9" max="2.14748E9" units="cm"/>
+          <inkml:channel name="F" type="integer" max="32767" units="dev"/>
+        </inkml:traceFormat>
+        <inkml:channelProperties>
+          <inkml:channelProperty channel="X" name="resolution" value="1000" units="1/cm"/>
+          <inkml:channelProperty channel="Y" name="resolution" value="1000" units="1/cm"/>
+          <inkml:channelProperty channel="F" name="resolution" value="0" units="1/dev"/>
+        </inkml:channelProperties>
+      </inkml:inkSource>
+      <inkml:timestamp xml:id="ts0" timeString="2023-01-26T23:27:35.626"/>
+    </inkml:context>
+    <inkml:brush xml:id="br0">
+      <inkml:brushProperty name="width" value="0.2" units="cm"/>
+      <inkml:brushProperty name="height" value="0.2" units="cm"/>
+      <inkml:brushProperty name="color" value="#E71224"/>
+    </inkml:brush>
+  </inkml:definitions>
+  <inkml:trace contextRef="#ctx0" brushRef="#br0">5206 281 24575,'0'-12'0,"-1"1"0,1-1 0,-2 0 0,-5-21 0,5 26 0,-1 0 0,0 0 0,0 1 0,-1-1 0,0 1 0,0 0 0,0 0 0,-10-10 0,5 7 0,-1 1 0,1 1 0,-1-1 0,-1 2 0,1 0 0,-1 0 0,0 0 0,0 2 0,-22-7 0,-11 0 0,-58-8 0,75 15 0,-231-20-316,-2 21-258,208 3 475,-162 5-750,1 10 0,-415 85 0,334-27-9,-430 167 0,535-162 386,3 9 0,4 7 1,4 9-1,5 7 0,5 8 1,-250 227-1,85-14 152,269-258 213,2 2 0,-90 150 0,134-194 245,1 1 0,2 0 0,1 1 0,-18 69 0,28-81-69,0 0 0,2 1 0,0-1 0,1 1 0,2-1 0,0 1 0,1-1 0,1 0 0,9 33 0,-2-21-3,3-1 0,0-1 1,2 1-1,2-2 0,0-1 0,2 0 0,1-1 0,2-1 0,31 32 0,-8-16 73,1-2-1,2-2 1,2-3 0,73 43-1,-52-42-245,0-3-1,3-3 1,1-3-1,128 30 1,-51-28-762,224 17 0,-158-36-145,1-10-1,299-36 1,428-126-1122,-29-70 1980,-30-89-531,-394 71 914,-390 186-31,-2-5-1,139-122 1,-195 149 193,-2-2-1,73-94 1,-99 113-247,-1-1-1,-1-1 1,-1 0 0,-1 0-1,-1-2 1,-2 1 0,0-1-1,5-32 1,-13 44-41,0-1-1,-1 1 1,0-1 0,-2 1 0,0-1-1,-1 0 1,0 1 0,-1 0 0,-7-20-1,2 12-19,-2 0 0,-1 1 1,0 0-1,-2 1 0,-17-24 0,-44-49 1737</inkml:trace>
+</inkml:ink>
 </file>
 
 <file path=ppt/notesMasters/notesMaster1.xml><?xml version="1.0" encoding="utf-8"?>
@@ -195,7 +235,7 @@
           <a:p>
             <a:fld id="{8D847F30-6D87-4FF5-AB60-09A63558FD47}" type="datetimeFigureOut">
               <a:rPr lang="fr-FR" smtClean="0"/>
-              <a:t>22/01/2023</a:t>
+              <a:t>26/01/2023</a:t>
             </a:fld>
             <a:endParaRPr lang="fr-FR"/>
           </a:p>
@@ -509,6 +549,17 @@
           <a:p>
             <a:pPr algn="l"/>
             <a:r>
+              <a:rPr lang="fr-FR" dirty="0"/>
+              <a:t>Intuition:</a:t>
+            </a:r>
+          </a:p>
+          <a:p>
+            <a:pPr algn="l"/>
+            <a:endParaRPr lang="fr-FR" dirty="0"/>
+          </a:p>
+          <a:p>
+            <a:pPr algn="l"/>
+            <a:r>
               <a:rPr lang="en-US" b="0" i="0" dirty="0">
                 <a:solidFill>
                   <a:srgbClr val="D1D5DB"/>
@@ -579,7 +630,7 @@
               <a:rPr lang="fr-FR" smtClean="0"/>
               <a:t>3</a:t>
             </a:fld>
-            <a:endParaRPr lang="fr-FR"/>
+            <a:endParaRPr lang="fr-FR" dirty="0"/>
           </a:p>
         </p:txBody>
       </p:sp>
@@ -587,6 +638,790 @@
     <p:extLst>
       <p:ext uri="{BB962C8B-B14F-4D97-AF65-F5344CB8AC3E}">
         <p14:creationId xmlns:p14="http://schemas.microsoft.com/office/powerpoint/2010/main" val="2244484092"/>
+      </p:ext>
+    </p:extLst>
+  </p:cSld>
+  <p:clrMapOvr>
+    <a:masterClrMapping/>
+  </p:clrMapOvr>
+</p:notes>
+</file>
+
+<file path=ppt/notesSlides/notesSlide2.xml><?xml version="1.0" encoding="utf-8"?>
+<p:notes xmlns:a="http://schemas.openxmlformats.org/drawingml/2006/main" xmlns:r="http://schemas.openxmlformats.org/officeDocument/2006/relationships" xmlns:p="http://schemas.openxmlformats.org/presentationml/2006/main">
+  <p:cSld>
+    <p:spTree>
+      <p:nvGrpSpPr>
+        <p:cNvPr id="1" name=""/>
+        <p:cNvGrpSpPr/>
+        <p:nvPr/>
+      </p:nvGrpSpPr>
+      <p:grpSpPr>
+        <a:xfrm>
+          <a:off x="0" y="0"/>
+          <a:ext cx="0" cy="0"/>
+          <a:chOff x="0" y="0"/>
+          <a:chExt cx="0" cy="0"/>
+        </a:xfrm>
+      </p:grpSpPr>
+      <p:sp>
+        <p:nvSpPr>
+          <p:cNvPr id="2" name="Slide Image Placeholder 1"/>
+          <p:cNvSpPr>
+            <a:spLocks noGrp="1" noRot="1" noChangeAspect="1"/>
+          </p:cNvSpPr>
+          <p:nvPr>
+            <p:ph type="sldImg"/>
+          </p:nvPr>
+        </p:nvSpPr>
+        <p:spPr/>
+      </p:sp>
+      <p:sp>
+        <p:nvSpPr>
+          <p:cNvPr id="3" name="Notes Placeholder 2"/>
+          <p:cNvSpPr>
+            <a:spLocks noGrp="1"/>
+          </p:cNvSpPr>
+          <p:nvPr>
+            <p:ph type="body" idx="1"/>
+          </p:nvPr>
+        </p:nvSpPr>
+        <p:spPr/>
+        <p:txBody>
+          <a:bodyPr/>
+          <a:lstStyle/>
+          <a:p>
+            <a:endParaRPr lang="fr-FR" dirty="0"/>
+          </a:p>
+        </p:txBody>
+      </p:sp>
+      <p:sp>
+        <p:nvSpPr>
+          <p:cNvPr id="4" name="Slide Number Placeholder 3"/>
+          <p:cNvSpPr>
+            <a:spLocks noGrp="1"/>
+          </p:cNvSpPr>
+          <p:nvPr>
+            <p:ph type="sldNum" sz="quarter" idx="5"/>
+          </p:nvPr>
+        </p:nvSpPr>
+        <p:spPr/>
+        <p:txBody>
+          <a:bodyPr/>
+          <a:lstStyle/>
+          <a:p>
+            <a:fld id="{36828A07-D046-4481-98A0-46C92F81D437}" type="slidenum">
+              <a:rPr lang="fr-FR" smtClean="0"/>
+              <a:t>4</a:t>
+            </a:fld>
+            <a:endParaRPr lang="fr-FR"/>
+          </a:p>
+        </p:txBody>
+      </p:sp>
+    </p:spTree>
+    <p:extLst>
+      <p:ext uri="{BB962C8B-B14F-4D97-AF65-F5344CB8AC3E}">
+        <p14:creationId xmlns:p14="http://schemas.microsoft.com/office/powerpoint/2010/main" val="317922381"/>
+      </p:ext>
+    </p:extLst>
+  </p:cSld>
+  <p:clrMapOvr>
+    <a:masterClrMapping/>
+  </p:clrMapOvr>
+</p:notes>
+</file>
+
+<file path=ppt/notesSlides/notesSlide3.xml><?xml version="1.0" encoding="utf-8"?>
+<p:notes xmlns:a="http://schemas.openxmlformats.org/drawingml/2006/main" xmlns:r="http://schemas.openxmlformats.org/officeDocument/2006/relationships" xmlns:p="http://schemas.openxmlformats.org/presentationml/2006/main">
+  <p:cSld>
+    <p:spTree>
+      <p:nvGrpSpPr>
+        <p:cNvPr id="1" name=""/>
+        <p:cNvGrpSpPr/>
+        <p:nvPr/>
+      </p:nvGrpSpPr>
+      <p:grpSpPr>
+        <a:xfrm>
+          <a:off x="0" y="0"/>
+          <a:ext cx="0" cy="0"/>
+          <a:chOff x="0" y="0"/>
+          <a:chExt cx="0" cy="0"/>
+        </a:xfrm>
+      </p:grpSpPr>
+      <p:sp>
+        <p:nvSpPr>
+          <p:cNvPr id="2" name="Slide Image Placeholder 1"/>
+          <p:cNvSpPr>
+            <a:spLocks noGrp="1" noRot="1" noChangeAspect="1"/>
+          </p:cNvSpPr>
+          <p:nvPr>
+            <p:ph type="sldImg"/>
+          </p:nvPr>
+        </p:nvSpPr>
+        <p:spPr/>
+      </p:sp>
+      <p:sp>
+        <p:nvSpPr>
+          <p:cNvPr id="3" name="Notes Placeholder 2"/>
+          <p:cNvSpPr>
+            <a:spLocks noGrp="1"/>
+          </p:cNvSpPr>
+          <p:nvPr>
+            <p:ph type="body" idx="1"/>
+          </p:nvPr>
+        </p:nvSpPr>
+        <p:spPr/>
+        <p:txBody>
+          <a:bodyPr/>
+          <a:lstStyle/>
+          <a:p>
+            <a:pPr algn="l">
+              <a:buFont typeface="Arial" panose="020B0604020202020204" pitchFamily="34" charset="0"/>
+              <a:buChar char="•"/>
+            </a:pPr>
+            <a:r>
+              <a:rPr lang="en-US" b="0" i="0" dirty="0">
+                <a:solidFill>
+                  <a:srgbClr val="D1D5DB"/>
+                </a:solidFill>
+                <a:effectLst/>
+                <a:latin typeface="Söhne"/>
+              </a:rPr>
+              <a:t> Image Classification: The task of assigning a single label (e.g., "dog", "cat", "car") to an entire image.</a:t>
+            </a:r>
+          </a:p>
+          <a:p>
+            <a:pPr algn="l">
+              <a:buFont typeface="Arial" panose="020B0604020202020204" pitchFamily="34" charset="0"/>
+              <a:buChar char="•"/>
+            </a:pPr>
+            <a:r>
+              <a:rPr lang="en-US" b="0" i="0" dirty="0">
+                <a:solidFill>
+                  <a:srgbClr val="D1D5DB"/>
+                </a:solidFill>
+                <a:effectLst/>
+                <a:latin typeface="Söhne"/>
+              </a:rPr>
+              <a:t> Pixelwise Semantic Segmentation: The task of assigning a label (e.g., "dog", "cat", "car") to each individual pixel in an image. This can be used to create a segmentation mask of an object in an image.</a:t>
+            </a:r>
+          </a:p>
+          <a:p>
+            <a:pPr algn="l">
+              <a:buFont typeface="Arial" panose="020B0604020202020204" pitchFamily="34" charset="0"/>
+              <a:buChar char="•"/>
+            </a:pPr>
+            <a:r>
+              <a:rPr lang="en-US" b="0" i="0" dirty="0">
+                <a:solidFill>
+                  <a:srgbClr val="D1D5DB"/>
+                </a:solidFill>
+                <a:effectLst/>
+                <a:latin typeface="Söhne"/>
+              </a:rPr>
+              <a:t> Object Detection: The task of identifying one or more objects in an image and creating a bounding box around each object. This can be used to locate and identify multiple objects in an image.</a:t>
+            </a:r>
+          </a:p>
+          <a:p>
+            <a:pPr algn="l">
+              <a:buFont typeface="Arial" panose="020B0604020202020204" pitchFamily="34" charset="0"/>
+              <a:buChar char="•"/>
+            </a:pPr>
+            <a:r>
+              <a:rPr lang="en-US" b="0" i="0" dirty="0">
+                <a:solidFill>
+                  <a:srgbClr val="D1D5DB"/>
+                </a:solidFill>
+                <a:effectLst/>
+                <a:latin typeface="Söhne"/>
+              </a:rPr>
+              <a:t> Instance Segmentation: The task of creating a unique segmentation mask for each object of the same class in an image. This is a combination of object detection and semantic segmentation.</a:t>
+            </a:r>
+          </a:p>
+          <a:p>
+            <a:pPr algn="l">
+              <a:buFont typeface="Arial" panose="020B0604020202020204" pitchFamily="34" charset="0"/>
+              <a:buChar char="•"/>
+            </a:pPr>
+            <a:r>
+              <a:rPr lang="en-US" b="0" i="0" dirty="0">
+                <a:solidFill>
+                  <a:srgbClr val="D1D5DB"/>
+                </a:solidFill>
+                <a:effectLst/>
+                <a:latin typeface="Söhne"/>
+              </a:rPr>
+              <a:t> Person </a:t>
+            </a:r>
+            <a:r>
+              <a:rPr lang="en-US" b="0" i="0" dirty="0" err="1">
+                <a:solidFill>
+                  <a:srgbClr val="D1D5DB"/>
+                </a:solidFill>
+                <a:effectLst/>
+                <a:latin typeface="Söhne"/>
+              </a:rPr>
+              <a:t>Keypoint</a:t>
+            </a:r>
+            <a:r>
+              <a:rPr lang="en-US" b="0" i="0" dirty="0">
+                <a:solidFill>
+                  <a:srgbClr val="D1D5DB"/>
+                </a:solidFill>
+                <a:effectLst/>
+                <a:latin typeface="Söhne"/>
+              </a:rPr>
+              <a:t> Detection: The task of identifying and locating specific parts of an object, such as </a:t>
+            </a:r>
+            <a:r>
+              <a:rPr lang="en-US" b="0" i="0" dirty="0" err="1">
+                <a:solidFill>
+                  <a:srgbClr val="D1D5DB"/>
+                </a:solidFill>
+                <a:effectLst/>
+                <a:latin typeface="Söhne"/>
+              </a:rPr>
+              <a:t>keypoints</a:t>
+            </a:r>
+            <a:r>
+              <a:rPr lang="en-US" b="0" i="0" dirty="0">
+                <a:solidFill>
+                  <a:srgbClr val="D1D5DB"/>
+                </a:solidFill>
+                <a:effectLst/>
+                <a:latin typeface="Söhne"/>
+              </a:rPr>
+              <a:t> on a person's face or body.</a:t>
+            </a:r>
+          </a:p>
+          <a:p>
+            <a:pPr algn="l">
+              <a:buFont typeface="Arial" panose="020B0604020202020204" pitchFamily="34" charset="0"/>
+              <a:buChar char="•"/>
+            </a:pPr>
+            <a:r>
+              <a:rPr lang="en-US" b="0" i="0" dirty="0">
+                <a:solidFill>
+                  <a:srgbClr val="D1D5DB"/>
+                </a:solidFill>
+                <a:effectLst/>
+                <a:latin typeface="Söhne"/>
+              </a:rPr>
+              <a:t> Video Classification: The task of assigning a label (e.g., "sports", "news", "action movie") to a video, based on its content.</a:t>
+            </a:r>
+          </a:p>
+        </p:txBody>
+      </p:sp>
+      <p:sp>
+        <p:nvSpPr>
+          <p:cNvPr id="4" name="Slide Number Placeholder 3"/>
+          <p:cNvSpPr>
+            <a:spLocks noGrp="1"/>
+          </p:cNvSpPr>
+          <p:nvPr>
+            <p:ph type="sldNum" sz="quarter" idx="5"/>
+          </p:nvPr>
+        </p:nvSpPr>
+        <p:spPr/>
+        <p:txBody>
+          <a:bodyPr/>
+          <a:lstStyle/>
+          <a:p>
+            <a:fld id="{36828A07-D046-4481-98A0-46C92F81D437}" type="slidenum">
+              <a:rPr lang="fr-FR" smtClean="0"/>
+              <a:t>6</a:t>
+            </a:fld>
+            <a:endParaRPr lang="fr-FR"/>
+          </a:p>
+        </p:txBody>
+      </p:sp>
+    </p:spTree>
+    <p:extLst>
+      <p:ext uri="{BB962C8B-B14F-4D97-AF65-F5344CB8AC3E}">
+        <p14:creationId xmlns:p14="http://schemas.microsoft.com/office/powerpoint/2010/main" val="2709921215"/>
+      </p:ext>
+    </p:extLst>
+  </p:cSld>
+  <p:clrMapOvr>
+    <a:masterClrMapping/>
+  </p:clrMapOvr>
+</p:notes>
+</file>
+
+<file path=ppt/notesSlides/notesSlide4.xml><?xml version="1.0" encoding="utf-8"?>
+<p:notes xmlns:a="http://schemas.openxmlformats.org/drawingml/2006/main" xmlns:r="http://schemas.openxmlformats.org/officeDocument/2006/relationships" xmlns:p="http://schemas.openxmlformats.org/presentationml/2006/main">
+  <p:cSld>
+    <p:spTree>
+      <p:nvGrpSpPr>
+        <p:cNvPr id="1" name=""/>
+        <p:cNvGrpSpPr/>
+        <p:nvPr/>
+      </p:nvGrpSpPr>
+      <p:grpSpPr>
+        <a:xfrm>
+          <a:off x="0" y="0"/>
+          <a:ext cx="0" cy="0"/>
+          <a:chOff x="0" y="0"/>
+          <a:chExt cx="0" cy="0"/>
+        </a:xfrm>
+      </p:grpSpPr>
+      <p:sp>
+        <p:nvSpPr>
+          <p:cNvPr id="2" name="Slide Image Placeholder 1"/>
+          <p:cNvSpPr>
+            <a:spLocks noGrp="1" noRot="1" noChangeAspect="1"/>
+          </p:cNvSpPr>
+          <p:nvPr>
+            <p:ph type="sldImg"/>
+          </p:nvPr>
+        </p:nvSpPr>
+        <p:spPr/>
+      </p:sp>
+      <p:sp>
+        <p:nvSpPr>
+          <p:cNvPr id="3" name="Notes Placeholder 2"/>
+          <p:cNvSpPr>
+            <a:spLocks noGrp="1"/>
+          </p:cNvSpPr>
+          <p:nvPr>
+            <p:ph type="body" idx="1"/>
+          </p:nvPr>
+        </p:nvSpPr>
+        <p:spPr/>
+        <p:txBody>
+          <a:bodyPr/>
+          <a:lstStyle/>
+          <a:p>
+            <a:r>
+              <a:rPr lang="fr-FR" dirty="0" err="1"/>
+              <a:t>Everything</a:t>
+            </a:r>
+            <a:r>
+              <a:rPr lang="fr-FR" dirty="0"/>
+              <a:t> hand-</a:t>
+            </a:r>
+            <a:r>
+              <a:rPr lang="fr-FR" dirty="0" err="1"/>
+              <a:t>annotated</a:t>
+            </a:r>
+            <a:endParaRPr lang="fr-FR" dirty="0"/>
+          </a:p>
+        </p:txBody>
+      </p:sp>
+      <p:sp>
+        <p:nvSpPr>
+          <p:cNvPr id="4" name="Slide Number Placeholder 3"/>
+          <p:cNvSpPr>
+            <a:spLocks noGrp="1"/>
+          </p:cNvSpPr>
+          <p:nvPr>
+            <p:ph type="sldNum" sz="quarter" idx="5"/>
+          </p:nvPr>
+        </p:nvSpPr>
+        <p:spPr/>
+        <p:txBody>
+          <a:bodyPr/>
+          <a:lstStyle/>
+          <a:p>
+            <a:fld id="{36828A07-D046-4481-98A0-46C92F81D437}" type="slidenum">
+              <a:rPr lang="fr-FR" smtClean="0"/>
+              <a:t>7</a:t>
+            </a:fld>
+            <a:endParaRPr lang="fr-FR"/>
+          </a:p>
+        </p:txBody>
+      </p:sp>
+    </p:spTree>
+    <p:extLst>
+      <p:ext uri="{BB962C8B-B14F-4D97-AF65-F5344CB8AC3E}">
+        <p14:creationId xmlns:p14="http://schemas.microsoft.com/office/powerpoint/2010/main" val="3763438820"/>
+      </p:ext>
+    </p:extLst>
+  </p:cSld>
+  <p:clrMapOvr>
+    <a:masterClrMapping/>
+  </p:clrMapOvr>
+</p:notes>
+</file>
+
+<file path=ppt/notesSlides/notesSlide5.xml><?xml version="1.0" encoding="utf-8"?>
+<p:notes xmlns:a="http://schemas.openxmlformats.org/drawingml/2006/main" xmlns:r="http://schemas.openxmlformats.org/officeDocument/2006/relationships" xmlns:p="http://schemas.openxmlformats.org/presentationml/2006/main">
+  <p:cSld>
+    <p:spTree>
+      <p:nvGrpSpPr>
+        <p:cNvPr id="1" name=""/>
+        <p:cNvGrpSpPr/>
+        <p:nvPr/>
+      </p:nvGrpSpPr>
+      <p:grpSpPr>
+        <a:xfrm>
+          <a:off x="0" y="0"/>
+          <a:ext cx="0" cy="0"/>
+          <a:chOff x="0" y="0"/>
+          <a:chExt cx="0" cy="0"/>
+        </a:xfrm>
+      </p:grpSpPr>
+      <p:sp>
+        <p:nvSpPr>
+          <p:cNvPr id="2" name="Slide Image Placeholder 1"/>
+          <p:cNvSpPr>
+            <a:spLocks noGrp="1" noRot="1" noChangeAspect="1"/>
+          </p:cNvSpPr>
+          <p:nvPr>
+            <p:ph type="sldImg"/>
+          </p:nvPr>
+        </p:nvSpPr>
+        <p:spPr/>
+      </p:sp>
+      <p:sp>
+        <p:nvSpPr>
+          <p:cNvPr id="3" name="Notes Placeholder 2"/>
+          <p:cNvSpPr>
+            <a:spLocks noGrp="1"/>
+          </p:cNvSpPr>
+          <p:nvPr>
+            <p:ph type="body" idx="1"/>
+          </p:nvPr>
+        </p:nvSpPr>
+        <p:spPr/>
+        <p:txBody>
+          <a:bodyPr/>
+          <a:lstStyle/>
+          <a:p>
+            <a:r>
+              <a:rPr lang="fr-FR" dirty="0" err="1"/>
+              <a:t>Everything</a:t>
+            </a:r>
+            <a:r>
+              <a:rPr lang="fr-FR" dirty="0"/>
+              <a:t> hand-</a:t>
+            </a:r>
+            <a:r>
+              <a:rPr lang="fr-FR" dirty="0" err="1"/>
+              <a:t>annotated</a:t>
+            </a:r>
+            <a:endParaRPr lang="fr-FR" dirty="0"/>
+          </a:p>
+        </p:txBody>
+      </p:sp>
+      <p:sp>
+        <p:nvSpPr>
+          <p:cNvPr id="4" name="Slide Number Placeholder 3"/>
+          <p:cNvSpPr>
+            <a:spLocks noGrp="1"/>
+          </p:cNvSpPr>
+          <p:nvPr>
+            <p:ph type="sldNum" sz="quarter" idx="5"/>
+          </p:nvPr>
+        </p:nvSpPr>
+        <p:spPr/>
+        <p:txBody>
+          <a:bodyPr/>
+          <a:lstStyle/>
+          <a:p>
+            <a:fld id="{36828A07-D046-4481-98A0-46C92F81D437}" type="slidenum">
+              <a:rPr lang="fr-FR" smtClean="0"/>
+              <a:t>8</a:t>
+            </a:fld>
+            <a:endParaRPr lang="fr-FR"/>
+          </a:p>
+        </p:txBody>
+      </p:sp>
+    </p:spTree>
+    <p:extLst>
+      <p:ext uri="{BB962C8B-B14F-4D97-AF65-F5344CB8AC3E}">
+        <p14:creationId xmlns:p14="http://schemas.microsoft.com/office/powerpoint/2010/main" val="1238029080"/>
+      </p:ext>
+    </p:extLst>
+  </p:cSld>
+  <p:clrMapOvr>
+    <a:masterClrMapping/>
+  </p:clrMapOvr>
+</p:notes>
+</file>
+
+<file path=ppt/notesSlides/notesSlide6.xml><?xml version="1.0" encoding="utf-8"?>
+<p:notes xmlns:a="http://schemas.openxmlformats.org/drawingml/2006/main" xmlns:r="http://schemas.openxmlformats.org/officeDocument/2006/relationships" xmlns:p="http://schemas.openxmlformats.org/presentationml/2006/main">
+  <p:cSld>
+    <p:spTree>
+      <p:nvGrpSpPr>
+        <p:cNvPr id="1" name=""/>
+        <p:cNvGrpSpPr/>
+        <p:nvPr/>
+      </p:nvGrpSpPr>
+      <p:grpSpPr>
+        <a:xfrm>
+          <a:off x="0" y="0"/>
+          <a:ext cx="0" cy="0"/>
+          <a:chOff x="0" y="0"/>
+          <a:chExt cx="0" cy="0"/>
+        </a:xfrm>
+      </p:grpSpPr>
+      <p:sp>
+        <p:nvSpPr>
+          <p:cNvPr id="2" name="Slide Image Placeholder 1"/>
+          <p:cNvSpPr>
+            <a:spLocks noGrp="1" noRot="1" noChangeAspect="1"/>
+          </p:cNvSpPr>
+          <p:nvPr>
+            <p:ph type="sldImg"/>
+          </p:nvPr>
+        </p:nvSpPr>
+        <p:spPr/>
+      </p:sp>
+      <p:sp>
+        <p:nvSpPr>
+          <p:cNvPr id="3" name="Notes Placeholder 2"/>
+          <p:cNvSpPr>
+            <a:spLocks noGrp="1"/>
+          </p:cNvSpPr>
+          <p:nvPr>
+            <p:ph type="body" idx="1"/>
+          </p:nvPr>
+        </p:nvSpPr>
+        <p:spPr/>
+        <p:txBody>
+          <a:bodyPr/>
+          <a:lstStyle/>
+          <a:p>
+            <a:pPr algn="l">
+              <a:buFont typeface="Arial" panose="020B0604020202020204" pitchFamily="34" charset="0"/>
+              <a:buChar char="•"/>
+            </a:pPr>
+            <a:endParaRPr lang="en-US" b="0" i="0" dirty="0">
+              <a:solidFill>
+                <a:srgbClr val="D1D5DB"/>
+              </a:solidFill>
+              <a:effectLst/>
+              <a:latin typeface="Söhne"/>
+            </a:endParaRPr>
+          </a:p>
+        </p:txBody>
+      </p:sp>
+      <p:sp>
+        <p:nvSpPr>
+          <p:cNvPr id="4" name="Slide Number Placeholder 3"/>
+          <p:cNvSpPr>
+            <a:spLocks noGrp="1"/>
+          </p:cNvSpPr>
+          <p:nvPr>
+            <p:ph type="sldNum" sz="quarter" idx="5"/>
+          </p:nvPr>
+        </p:nvSpPr>
+        <p:spPr/>
+        <p:txBody>
+          <a:bodyPr/>
+          <a:lstStyle/>
+          <a:p>
+            <a:fld id="{36828A07-D046-4481-98A0-46C92F81D437}" type="slidenum">
+              <a:rPr lang="fr-FR" smtClean="0"/>
+              <a:t>9</a:t>
+            </a:fld>
+            <a:endParaRPr lang="fr-FR"/>
+          </a:p>
+        </p:txBody>
+      </p:sp>
+    </p:spTree>
+    <p:extLst>
+      <p:ext uri="{BB962C8B-B14F-4D97-AF65-F5344CB8AC3E}">
+        <p14:creationId xmlns:p14="http://schemas.microsoft.com/office/powerpoint/2010/main" val="3588931474"/>
+      </p:ext>
+    </p:extLst>
+  </p:cSld>
+  <p:clrMapOvr>
+    <a:masterClrMapping/>
+  </p:clrMapOvr>
+</p:notes>
+</file>
+
+<file path=ppt/notesSlides/notesSlide7.xml><?xml version="1.0" encoding="utf-8"?>
+<p:notes xmlns:a="http://schemas.openxmlformats.org/drawingml/2006/main" xmlns:r="http://schemas.openxmlformats.org/officeDocument/2006/relationships" xmlns:p="http://schemas.openxmlformats.org/presentationml/2006/main">
+  <p:cSld>
+    <p:spTree>
+      <p:nvGrpSpPr>
+        <p:cNvPr id="1" name=""/>
+        <p:cNvGrpSpPr/>
+        <p:nvPr/>
+      </p:nvGrpSpPr>
+      <p:grpSpPr>
+        <a:xfrm>
+          <a:off x="0" y="0"/>
+          <a:ext cx="0" cy="0"/>
+          <a:chOff x="0" y="0"/>
+          <a:chExt cx="0" cy="0"/>
+        </a:xfrm>
+      </p:grpSpPr>
+      <p:sp>
+        <p:nvSpPr>
+          <p:cNvPr id="2" name="Slide Image Placeholder 1"/>
+          <p:cNvSpPr>
+            <a:spLocks noGrp="1" noRot="1" noChangeAspect="1"/>
+          </p:cNvSpPr>
+          <p:nvPr>
+            <p:ph type="sldImg"/>
+          </p:nvPr>
+        </p:nvSpPr>
+        <p:spPr/>
+      </p:sp>
+      <p:sp>
+        <p:nvSpPr>
+          <p:cNvPr id="3" name="Notes Placeholder 2"/>
+          <p:cNvSpPr>
+            <a:spLocks noGrp="1"/>
+          </p:cNvSpPr>
+          <p:nvPr>
+            <p:ph type="body" idx="1"/>
+          </p:nvPr>
+        </p:nvSpPr>
+        <p:spPr/>
+        <p:txBody>
+          <a:bodyPr/>
+          <a:lstStyle/>
+          <a:p>
+            <a:pPr algn="l">
+              <a:buFont typeface="Arial" panose="020B0604020202020204" pitchFamily="34" charset="0"/>
+              <a:buChar char="•"/>
+            </a:pPr>
+            <a:endParaRPr lang="en-US" b="0" i="0" dirty="0">
+              <a:solidFill>
+                <a:srgbClr val="D1D5DB"/>
+              </a:solidFill>
+              <a:effectLst/>
+              <a:latin typeface="Söhne"/>
+            </a:endParaRPr>
+          </a:p>
+        </p:txBody>
+      </p:sp>
+      <p:sp>
+        <p:nvSpPr>
+          <p:cNvPr id="4" name="Slide Number Placeholder 3"/>
+          <p:cNvSpPr>
+            <a:spLocks noGrp="1"/>
+          </p:cNvSpPr>
+          <p:nvPr>
+            <p:ph type="sldNum" sz="quarter" idx="5"/>
+          </p:nvPr>
+        </p:nvSpPr>
+        <p:spPr/>
+        <p:txBody>
+          <a:bodyPr/>
+          <a:lstStyle/>
+          <a:p>
+            <a:fld id="{36828A07-D046-4481-98A0-46C92F81D437}" type="slidenum">
+              <a:rPr lang="fr-FR" smtClean="0"/>
+              <a:t>10</a:t>
+            </a:fld>
+            <a:endParaRPr lang="fr-FR"/>
+          </a:p>
+        </p:txBody>
+      </p:sp>
+    </p:spTree>
+    <p:extLst>
+      <p:ext uri="{BB962C8B-B14F-4D97-AF65-F5344CB8AC3E}">
+        <p14:creationId xmlns:p14="http://schemas.microsoft.com/office/powerpoint/2010/main" val="2939900221"/>
+      </p:ext>
+    </p:extLst>
+  </p:cSld>
+  <p:clrMapOvr>
+    <a:masterClrMapping/>
+  </p:clrMapOvr>
+</p:notes>
+</file>
+
+<file path=ppt/notesSlides/notesSlide8.xml><?xml version="1.0" encoding="utf-8"?>
+<p:notes xmlns:a="http://schemas.openxmlformats.org/drawingml/2006/main" xmlns:r="http://schemas.openxmlformats.org/officeDocument/2006/relationships" xmlns:p="http://schemas.openxmlformats.org/presentationml/2006/main">
+  <p:cSld>
+    <p:spTree>
+      <p:nvGrpSpPr>
+        <p:cNvPr id="1" name=""/>
+        <p:cNvGrpSpPr/>
+        <p:nvPr/>
+      </p:nvGrpSpPr>
+      <p:grpSpPr>
+        <a:xfrm>
+          <a:off x="0" y="0"/>
+          <a:ext cx="0" cy="0"/>
+          <a:chOff x="0" y="0"/>
+          <a:chExt cx="0" cy="0"/>
+        </a:xfrm>
+      </p:grpSpPr>
+      <p:sp>
+        <p:nvSpPr>
+          <p:cNvPr id="2" name="Slide Image Placeholder 1"/>
+          <p:cNvSpPr>
+            <a:spLocks noGrp="1" noRot="1" noChangeAspect="1"/>
+          </p:cNvSpPr>
+          <p:nvPr>
+            <p:ph type="sldImg"/>
+          </p:nvPr>
+        </p:nvSpPr>
+        <p:spPr/>
+      </p:sp>
+      <p:sp>
+        <p:nvSpPr>
+          <p:cNvPr id="3" name="Notes Placeholder 2"/>
+          <p:cNvSpPr>
+            <a:spLocks noGrp="1"/>
+          </p:cNvSpPr>
+          <p:nvPr>
+            <p:ph type="body" idx="1"/>
+          </p:nvPr>
+        </p:nvSpPr>
+        <p:spPr/>
+        <p:txBody>
+          <a:bodyPr/>
+          <a:lstStyle/>
+          <a:p>
+            <a:r>
+              <a:rPr lang="fr-FR" dirty="0"/>
+              <a:t>De base on s’est entrainé sur </a:t>
+            </a:r>
+            <a:r>
+              <a:rPr lang="fr-FR" dirty="0" err="1"/>
+              <a:t>wikipédia</a:t>
+            </a:r>
+            <a:r>
+              <a:rPr lang="fr-FR" dirty="0"/>
+              <a:t>, </a:t>
+            </a:r>
+            <a:r>
+              <a:rPr lang="fr-FR" dirty="0" err="1"/>
+              <a:t>etc</a:t>
+            </a:r>
+            <a:r>
+              <a:rPr lang="fr-FR" dirty="0"/>
+              <a:t> … et le but c’était de prédire le mot n+1 en fonction des mots 1 à n. Le fine-tuning a notamment permis d’empêcher certains comportements, comme comparer Word et Google docs, … ce genre de trucs n’était pas du tout dans la base de données d’entrainement de départ. </a:t>
+            </a:r>
+          </a:p>
+        </p:txBody>
+      </p:sp>
+      <p:sp>
+        <p:nvSpPr>
+          <p:cNvPr id="4" name="Slide Number Placeholder 3"/>
+          <p:cNvSpPr>
+            <a:spLocks noGrp="1"/>
+          </p:cNvSpPr>
+          <p:nvPr>
+            <p:ph type="sldNum" sz="quarter" idx="5"/>
+          </p:nvPr>
+        </p:nvSpPr>
+        <p:spPr/>
+        <p:txBody>
+          <a:bodyPr/>
+          <a:lstStyle/>
+          <a:p>
+            <a:fld id="{36828A07-D046-4481-98A0-46C92F81D437}" type="slidenum">
+              <a:rPr lang="fr-FR" smtClean="0"/>
+              <a:t>11</a:t>
+            </a:fld>
+            <a:endParaRPr lang="fr-FR"/>
+          </a:p>
+        </p:txBody>
+      </p:sp>
+    </p:spTree>
+    <p:extLst>
+      <p:ext uri="{BB962C8B-B14F-4D97-AF65-F5344CB8AC3E}">
+        <p14:creationId xmlns:p14="http://schemas.microsoft.com/office/powerpoint/2010/main" val="894509504"/>
       </p:ext>
     </p:extLst>
   </p:cSld>
@@ -745,7 +1580,7 @@
           <a:p>
             <a:fld id="{E7377E0B-31FA-49A6-8A64-387BD7E1842D}" type="datetimeFigureOut">
               <a:rPr lang="fr-FR" smtClean="0"/>
-              <a:t>22/01/2023</a:t>
+              <a:t>26/01/2023</a:t>
             </a:fld>
             <a:endParaRPr lang="fr-FR"/>
           </a:p>
@@ -945,7 +1780,7 @@
           <a:p>
             <a:fld id="{E7377E0B-31FA-49A6-8A64-387BD7E1842D}" type="datetimeFigureOut">
               <a:rPr lang="fr-FR" smtClean="0"/>
-              <a:t>22/01/2023</a:t>
+              <a:t>26/01/2023</a:t>
             </a:fld>
             <a:endParaRPr lang="fr-FR"/>
           </a:p>
@@ -1155,7 +1990,7 @@
           <a:p>
             <a:fld id="{E7377E0B-31FA-49A6-8A64-387BD7E1842D}" type="datetimeFigureOut">
               <a:rPr lang="fr-FR" smtClean="0"/>
-              <a:t>22/01/2023</a:t>
+              <a:t>26/01/2023</a:t>
             </a:fld>
             <a:endParaRPr lang="fr-FR"/>
           </a:p>
@@ -1355,7 +2190,7 @@
           <a:p>
             <a:fld id="{E7377E0B-31FA-49A6-8A64-387BD7E1842D}" type="datetimeFigureOut">
               <a:rPr lang="fr-FR" smtClean="0"/>
-              <a:t>22/01/2023</a:t>
+              <a:t>26/01/2023</a:t>
             </a:fld>
             <a:endParaRPr lang="fr-FR"/>
           </a:p>
@@ -1631,7 +2466,7 @@
           <a:p>
             <a:fld id="{E7377E0B-31FA-49A6-8A64-387BD7E1842D}" type="datetimeFigureOut">
               <a:rPr lang="fr-FR" smtClean="0"/>
-              <a:t>22/01/2023</a:t>
+              <a:t>26/01/2023</a:t>
             </a:fld>
             <a:endParaRPr lang="fr-FR"/>
           </a:p>
@@ -1899,7 +2734,7 @@
           <a:p>
             <a:fld id="{E7377E0B-31FA-49A6-8A64-387BD7E1842D}" type="datetimeFigureOut">
               <a:rPr lang="fr-FR" smtClean="0"/>
-              <a:t>22/01/2023</a:t>
+              <a:t>26/01/2023</a:t>
             </a:fld>
             <a:endParaRPr lang="fr-FR"/>
           </a:p>
@@ -2314,7 +3149,7 @@
           <a:p>
             <a:fld id="{E7377E0B-31FA-49A6-8A64-387BD7E1842D}" type="datetimeFigureOut">
               <a:rPr lang="fr-FR" smtClean="0"/>
-              <a:t>22/01/2023</a:t>
+              <a:t>26/01/2023</a:t>
             </a:fld>
             <a:endParaRPr lang="fr-FR"/>
           </a:p>
@@ -2456,7 +3291,7 @@
           <a:p>
             <a:fld id="{E7377E0B-31FA-49A6-8A64-387BD7E1842D}" type="datetimeFigureOut">
               <a:rPr lang="fr-FR" smtClean="0"/>
-              <a:t>22/01/2023</a:t>
+              <a:t>26/01/2023</a:t>
             </a:fld>
             <a:endParaRPr lang="fr-FR"/>
           </a:p>
@@ -2569,7 +3404,7 @@
           <a:p>
             <a:fld id="{E7377E0B-31FA-49A6-8A64-387BD7E1842D}" type="datetimeFigureOut">
               <a:rPr lang="fr-FR" smtClean="0"/>
-              <a:t>22/01/2023</a:t>
+              <a:t>26/01/2023</a:t>
             </a:fld>
             <a:endParaRPr lang="fr-FR"/>
           </a:p>
@@ -2882,7 +3717,7 @@
           <a:p>
             <a:fld id="{E7377E0B-31FA-49A6-8A64-387BD7E1842D}" type="datetimeFigureOut">
               <a:rPr lang="fr-FR" smtClean="0"/>
-              <a:t>22/01/2023</a:t>
+              <a:t>26/01/2023</a:t>
             </a:fld>
             <a:endParaRPr lang="fr-FR"/>
           </a:p>
@@ -3171,7 +4006,7 @@
           <a:p>
             <a:fld id="{E7377E0B-31FA-49A6-8A64-387BD7E1842D}" type="datetimeFigureOut">
               <a:rPr lang="fr-FR" smtClean="0"/>
-              <a:t>22/01/2023</a:t>
+              <a:t>26/01/2023</a:t>
             </a:fld>
             <a:endParaRPr lang="fr-FR"/>
           </a:p>
@@ -3414,7 +4249,7 @@
           <a:p>
             <a:fld id="{E7377E0B-31FA-49A6-8A64-387BD7E1842D}" type="datetimeFigureOut">
               <a:rPr lang="fr-FR" smtClean="0"/>
-              <a:t>22/01/2023</a:t>
+              <a:t>26/01/2023</a:t>
             </a:fld>
             <a:endParaRPr lang="fr-FR"/>
           </a:p>
@@ -3918,6 +4753,447 @@
 </p:sld>
 </file>
 
+<file path=ppt/slides/slide10.xml><?xml version="1.0" encoding="utf-8"?>
+<p:sld xmlns:a="http://schemas.openxmlformats.org/drawingml/2006/main" xmlns:r="http://schemas.openxmlformats.org/officeDocument/2006/relationships" xmlns:p="http://schemas.openxmlformats.org/presentationml/2006/main">
+  <p:cSld>
+    <p:spTree>
+      <p:nvGrpSpPr>
+        <p:cNvPr id="1" name=""/>
+        <p:cNvGrpSpPr/>
+        <p:nvPr/>
+      </p:nvGrpSpPr>
+      <p:grpSpPr>
+        <a:xfrm>
+          <a:off x="0" y="0"/>
+          <a:ext cx="0" cy="0"/>
+          <a:chOff x="0" y="0"/>
+          <a:chExt cx="0" cy="0"/>
+        </a:xfrm>
+      </p:grpSpPr>
+      <p:sp>
+        <p:nvSpPr>
+          <p:cNvPr id="2" name="Title 1">
+            <a:extLst>
+              <a:ext uri="{FF2B5EF4-FFF2-40B4-BE49-F238E27FC236}">
+                <a16:creationId xmlns:a16="http://schemas.microsoft.com/office/drawing/2014/main" id="{391C29FD-B28B-9634-C041-8763FBD4CC2C}"/>
+              </a:ext>
+            </a:extLst>
+          </p:cNvPr>
+          <p:cNvSpPr>
+            <a:spLocks noGrp="1"/>
+          </p:cNvSpPr>
+          <p:nvPr>
+            <p:ph type="title"/>
+          </p:nvPr>
+        </p:nvSpPr>
+        <p:spPr/>
+        <p:txBody>
+          <a:bodyPr/>
+          <a:lstStyle/>
+          <a:p>
+            <a:r>
+              <a:rPr lang="fr-FR" dirty="0" err="1"/>
+              <a:t>Available</a:t>
+            </a:r>
+            <a:r>
+              <a:rPr lang="fr-FR" dirty="0"/>
+              <a:t> </a:t>
+            </a:r>
+            <a:r>
+              <a:rPr lang="fr-FR" dirty="0" err="1"/>
+              <a:t>models</a:t>
+            </a:r>
+            <a:r>
+              <a:rPr lang="fr-FR" dirty="0"/>
+              <a:t> in PyTorch</a:t>
+            </a:r>
+          </a:p>
+        </p:txBody>
+      </p:sp>
+      <p:pic>
+        <p:nvPicPr>
+          <p:cNvPr id="5" name="Picture 4">
+            <a:extLst>
+              <a:ext uri="{FF2B5EF4-FFF2-40B4-BE49-F238E27FC236}">
+                <a16:creationId xmlns:a16="http://schemas.microsoft.com/office/drawing/2014/main" id="{6A7EEC5C-6CEB-B88E-DEA3-28A7E059A14A}"/>
+              </a:ext>
+            </a:extLst>
+          </p:cNvPr>
+          <p:cNvPicPr>
+            <a:picLocks noChangeAspect="1"/>
+          </p:cNvPicPr>
+          <p:nvPr/>
+        </p:nvPicPr>
+        <p:blipFill rotWithShape="1">
+          <a:blip r:embed="rId3"/>
+          <a:srcRect t="27369"/>
+          <a:stretch/>
+        </p:blipFill>
+        <p:spPr>
+          <a:xfrm>
+            <a:off x="601727" y="2111297"/>
+            <a:ext cx="10988546" cy="3070896"/>
+          </a:xfrm>
+          <a:prstGeom prst="rect">
+            <a:avLst/>
+          </a:prstGeom>
+        </p:spPr>
+      </p:pic>
+    </p:spTree>
+    <p:extLst>
+      <p:ext uri="{BB962C8B-B14F-4D97-AF65-F5344CB8AC3E}">
+        <p14:creationId xmlns:p14="http://schemas.microsoft.com/office/powerpoint/2010/main" val="4282275676"/>
+      </p:ext>
+    </p:extLst>
+  </p:cSld>
+  <p:clrMapOvr>
+    <a:masterClrMapping/>
+  </p:clrMapOvr>
+  <mc:AlternateContent xmlns:mc="http://schemas.openxmlformats.org/markup-compatibility/2006">
+    <mc:Choice xmlns:p14="http://schemas.microsoft.com/office/powerpoint/2010/main" Requires="p14">
+      <p:transition spd="med" p14:dur="700">
+        <p:fade/>
+      </p:transition>
+    </mc:Choice>
+    <mc:Fallback>
+      <p:transition spd="med">
+        <p:fade/>
+      </p:transition>
+    </mc:Fallback>
+  </mc:AlternateContent>
+</p:sld>
+</file>
+
+<file path=ppt/slides/slide11.xml><?xml version="1.0" encoding="utf-8"?>
+<p:sld xmlns:a="http://schemas.openxmlformats.org/drawingml/2006/main" xmlns:r="http://schemas.openxmlformats.org/officeDocument/2006/relationships" xmlns:p="http://schemas.openxmlformats.org/presentationml/2006/main">
+  <p:cSld>
+    <p:spTree>
+      <p:nvGrpSpPr>
+        <p:cNvPr id="1" name=""/>
+        <p:cNvGrpSpPr/>
+        <p:nvPr/>
+      </p:nvGrpSpPr>
+      <p:grpSpPr>
+        <a:xfrm>
+          <a:off x="0" y="0"/>
+          <a:ext cx="0" cy="0"/>
+          <a:chOff x="0" y="0"/>
+          <a:chExt cx="0" cy="0"/>
+        </a:xfrm>
+      </p:grpSpPr>
+      <p:sp>
+        <p:nvSpPr>
+          <p:cNvPr id="2" name="Title 1">
+            <a:extLst>
+              <a:ext uri="{FF2B5EF4-FFF2-40B4-BE49-F238E27FC236}">
+                <a16:creationId xmlns:a16="http://schemas.microsoft.com/office/drawing/2014/main" id="{ED10D2E8-3C5C-9342-C31C-E0CD8A3892A9}"/>
+              </a:ext>
+            </a:extLst>
+          </p:cNvPr>
+          <p:cNvSpPr>
+            <a:spLocks noGrp="1"/>
+          </p:cNvSpPr>
+          <p:nvPr>
+            <p:ph type="title"/>
+          </p:nvPr>
+        </p:nvSpPr>
+        <p:spPr/>
+        <p:txBody>
+          <a:bodyPr/>
+          <a:lstStyle/>
+          <a:p>
+            <a:r>
+              <a:rPr lang="fr-FR" dirty="0" err="1"/>
+              <a:t>ChatGPT</a:t>
+            </a:r>
+            <a:r>
+              <a:rPr lang="fr-FR" dirty="0"/>
+              <a:t>, an </a:t>
+            </a:r>
+            <a:r>
+              <a:rPr lang="fr-FR" dirty="0" err="1"/>
+              <a:t>example</a:t>
+            </a:r>
+            <a:r>
+              <a:rPr lang="fr-FR" dirty="0"/>
+              <a:t> of Transfer Learning</a:t>
+            </a:r>
+          </a:p>
+        </p:txBody>
+      </p:sp>
+      <p:pic>
+        <p:nvPicPr>
+          <p:cNvPr id="9" name="Picture 8">
+            <a:extLst>
+              <a:ext uri="{FF2B5EF4-FFF2-40B4-BE49-F238E27FC236}">
+                <a16:creationId xmlns:a16="http://schemas.microsoft.com/office/drawing/2014/main" id="{8181A3BD-EE82-900B-B784-FE03CE1AF417}"/>
+              </a:ext>
+            </a:extLst>
+          </p:cNvPr>
+          <p:cNvPicPr>
+            <a:picLocks noChangeAspect="1"/>
+          </p:cNvPicPr>
+          <p:nvPr/>
+        </p:nvPicPr>
+        <p:blipFill>
+          <a:blip r:embed="rId3"/>
+          <a:stretch>
+            <a:fillRect/>
+          </a:stretch>
+        </p:blipFill>
+        <p:spPr>
+          <a:xfrm>
+            <a:off x="838200" y="1690688"/>
+            <a:ext cx="8463436" cy="2120593"/>
+          </a:xfrm>
+          <a:prstGeom prst="rect">
+            <a:avLst/>
+          </a:prstGeom>
+        </p:spPr>
+      </p:pic>
+      <mc:AlternateContent xmlns:mc="http://schemas.openxmlformats.org/markup-compatibility/2006">
+        <mc:Choice xmlns:p14="http://schemas.microsoft.com/office/powerpoint/2010/main" Requires="p14">
+          <p:contentPart p14:bwMode="auto" r:id="rId4">
+            <p14:nvContentPartPr>
+              <p14:cNvPr id="10" name="Ink 9">
+                <a:extLst>
+                  <a:ext uri="{FF2B5EF4-FFF2-40B4-BE49-F238E27FC236}">
+                    <a16:creationId xmlns:a16="http://schemas.microsoft.com/office/drawing/2014/main" id="{C1E377C4-87C2-4EF6-C788-82B4A6B25226}"/>
+                  </a:ext>
+                </a:extLst>
+              </p14:cNvPr>
+              <p14:cNvContentPartPr/>
+              <p14:nvPr/>
+            </p14:nvContentPartPr>
+            <p14:xfrm>
+              <a:off x="2236789" y="1689308"/>
+              <a:ext cx="2349360" cy="1221840"/>
+            </p14:xfrm>
+          </p:contentPart>
+        </mc:Choice>
+        <mc:Fallback>
+          <p:pic>
+            <p:nvPicPr>
+              <p:cNvPr id="10" name="Ink 9">
+                <a:extLst>
+                  <a:ext uri="{FF2B5EF4-FFF2-40B4-BE49-F238E27FC236}">
+                    <a16:creationId xmlns:a16="http://schemas.microsoft.com/office/drawing/2014/main" id="{C1E377C4-87C2-4EF6-C788-82B4A6B25226}"/>
+                  </a:ext>
+                </a:extLst>
+              </p:cNvPr>
+              <p:cNvPicPr/>
+              <p:nvPr/>
+            </p:nvPicPr>
+            <p:blipFill>
+              <a:blip r:embed="rId5"/>
+              <a:stretch>
+                <a:fillRect/>
+              </a:stretch>
+            </p:blipFill>
+            <p:spPr>
+              <a:xfrm>
+                <a:off x="2200789" y="1653668"/>
+                <a:ext cx="2421000" cy="1293480"/>
+              </a:xfrm>
+              <a:prstGeom prst="rect">
+                <a:avLst/>
+              </a:prstGeom>
+            </p:spPr>
+          </p:pic>
+        </mc:Fallback>
+      </mc:AlternateContent>
+      <p:sp>
+        <p:nvSpPr>
+          <p:cNvPr id="12" name="Content Placeholder 2">
+            <a:extLst>
+              <a:ext uri="{FF2B5EF4-FFF2-40B4-BE49-F238E27FC236}">
+                <a16:creationId xmlns:a16="http://schemas.microsoft.com/office/drawing/2014/main" id="{6FA4D00E-0536-887E-D80B-14DDFCAC021D}"/>
+              </a:ext>
+            </a:extLst>
+          </p:cNvPr>
+          <p:cNvSpPr>
+            <a:spLocks noGrp="1"/>
+          </p:cNvSpPr>
+          <p:nvPr>
+            <p:ph idx="1"/>
+          </p:nvPr>
+        </p:nvSpPr>
+        <p:spPr>
+          <a:xfrm>
+            <a:off x="838200" y="3868955"/>
+            <a:ext cx="10515600" cy="2381917"/>
+          </a:xfrm>
+        </p:spPr>
+        <p:txBody>
+          <a:bodyPr>
+            <a:normAutofit/>
+          </a:bodyPr>
+          <a:lstStyle/>
+          <a:p>
+            <a:pPr algn="just"/>
+            <a:r>
+              <a:rPr lang="en-US" dirty="0"/>
+              <a:t>GPT-3.5 : ‘given an initial text as prompt, it will produce text that continues the prompt’</a:t>
+            </a:r>
+          </a:p>
+          <a:p>
+            <a:pPr algn="just"/>
+            <a:r>
+              <a:rPr lang="en-US" dirty="0"/>
+              <a:t>But </a:t>
+            </a:r>
+            <a:r>
+              <a:rPr lang="en-US" dirty="0" err="1"/>
+              <a:t>ChatGPT</a:t>
+            </a:r>
+            <a:r>
+              <a:rPr lang="en-US" dirty="0"/>
+              <a:t> : </a:t>
+            </a:r>
+          </a:p>
+        </p:txBody>
+      </p:sp>
+      <p:pic>
+        <p:nvPicPr>
+          <p:cNvPr id="14" name="Picture 13">
+            <a:extLst>
+              <a:ext uri="{FF2B5EF4-FFF2-40B4-BE49-F238E27FC236}">
+                <a16:creationId xmlns:a16="http://schemas.microsoft.com/office/drawing/2014/main" id="{DFC706F9-CCFC-D8A4-9074-7D67465F004C}"/>
+              </a:ext>
+            </a:extLst>
+          </p:cNvPr>
+          <p:cNvPicPr>
+            <a:picLocks noChangeAspect="1"/>
+          </p:cNvPicPr>
+          <p:nvPr/>
+        </p:nvPicPr>
+        <p:blipFill>
+          <a:blip r:embed="rId6"/>
+          <a:stretch>
+            <a:fillRect/>
+          </a:stretch>
+        </p:blipFill>
+        <p:spPr>
+          <a:xfrm>
+            <a:off x="3956157" y="4840941"/>
+            <a:ext cx="7065697" cy="1920873"/>
+          </a:xfrm>
+          <a:prstGeom prst="rect">
+            <a:avLst/>
+          </a:prstGeom>
+        </p:spPr>
+      </p:pic>
+    </p:spTree>
+    <p:extLst>
+      <p:ext uri="{BB962C8B-B14F-4D97-AF65-F5344CB8AC3E}">
+        <p14:creationId xmlns:p14="http://schemas.microsoft.com/office/powerpoint/2010/main" val="1992483266"/>
+      </p:ext>
+    </p:extLst>
+  </p:cSld>
+  <p:clrMapOvr>
+    <a:masterClrMapping/>
+  </p:clrMapOvr>
+  <p:timing>
+    <p:tnLst>
+      <p:par>
+        <p:cTn id="1" dur="indefinite" restart="never" nodeType="tmRoot">
+          <p:childTnLst>
+            <p:seq concurrent="1" nextAc="seek">
+              <p:cTn id="2" dur="indefinite" nodeType="mainSeq">
+                <p:childTnLst>
+                  <p:par>
+                    <p:cTn id="3" fill="hold">
+                      <p:stCondLst>
+                        <p:cond delay="indefinite"/>
+                      </p:stCondLst>
+                      <p:childTnLst>
+                        <p:par>
+                          <p:cTn id="4" fill="hold">
+                            <p:stCondLst>
+                              <p:cond delay="0"/>
+                            </p:stCondLst>
+                            <p:childTnLst>
+                              <p:par>
+                                <p:cTn id="5" presetID="63" presetClass="entr" presetSubtype="0" fill="hold" nodeType="clickEffect">
+                                  <p:stCondLst>
+                                    <p:cond delay="0"/>
+                                  </p:stCondLst>
+                                  <p:childTnLst>
+                                    <p:set>
+                                      <p:cBhvr>
+                                        <p:cTn id="6" dur="1" fill="hold">
+                                          <p:stCondLst>
+                                            <p:cond delay="0"/>
+                                          </p:stCondLst>
+                                        </p:cTn>
+                                        <p:tgtEl>
+                                          <p:spTgt spid="10"/>
+                                        </p:tgtEl>
+                                        <p:attrNameLst>
+                                          <p:attrName>style.visibility</p:attrName>
+                                        </p:attrNameLst>
+                                      </p:cBhvr>
+                                      <p:to>
+                                        <p:strVal val="visible"/>
+                                      </p:to>
+                                    </p:set>
+                                    <p:anim calcmode="lin" valueType="num">
+                                      <p:cBhvr>
+                                        <p:cTn id="7" dur="500" fill="hold"/>
+                                        <p:tgtEl>
+                                          <p:spTgt spid="10"/>
+                                        </p:tgtEl>
+                                        <p:attrNameLst>
+                                          <p:attrName>drawProgress</p:attrName>
+                                        </p:attrNameLst>
+                                      </p:cBhvr>
+                                      <p:tavLst>
+                                        <p:tav tm="0">
+                                          <p:val>
+                                            <p:fltVal val="0"/>
+                                          </p:val>
+                                        </p:tav>
+                                        <p:tav tm="100000">
+                                          <p:val>
+                                            <p:fltVal val="1"/>
+                                          </p:val>
+                                        </p:tav>
+                                      </p:tavLst>
+                                    </p:anim>
+                                  </p:childTnLst>
+                                </p:cTn>
+                              </p:par>
+                            </p:childTnLst>
+                          </p:cTn>
+                        </p:par>
+                      </p:childTnLst>
+                    </p:cTn>
+                  </p:par>
+                </p:childTnLst>
+              </p:cTn>
+              <p:prevCondLst>
+                <p:cond evt="onPrev" delay="0">
+                  <p:tgtEl>
+                    <p:sldTgt/>
+                  </p:tgtEl>
+                </p:cond>
+              </p:prevCondLst>
+              <p:nextCondLst>
+                <p:cond evt="onNext" delay="0">
+                  <p:tgtEl>
+                    <p:sldTgt/>
+                  </p:tgtEl>
+                </p:cond>
+              </p:nextCondLst>
+            </p:seq>
+          </p:childTnLst>
+        </p:cTn>
+      </p:par>
+    </p:tnLst>
+  </p:timing>
+</p:sld>
+</file>
+
 <file path=ppt/slides/slide2.xml><?xml version="1.0" encoding="utf-8"?>
 <p:sld xmlns:a="http://schemas.openxmlformats.org/drawingml/2006/main" xmlns:r="http://schemas.openxmlformats.org/officeDocument/2006/relationships" xmlns:p="http://schemas.openxmlformats.org/presentationml/2006/main">
   <p:cSld>
@@ -4016,6 +5292,18 @@
   <p:clrMapOvr>
     <a:masterClrMapping/>
   </p:clrMapOvr>
+  <mc:AlternateContent xmlns:mc="http://schemas.openxmlformats.org/markup-compatibility/2006">
+    <mc:Choice xmlns:p14="http://schemas.microsoft.com/office/powerpoint/2010/main" Requires="p14">
+      <p:transition spd="med" p14:dur="700">
+        <p:fade/>
+      </p:transition>
+    </mc:Choice>
+    <mc:Fallback>
+      <p:transition spd="med">
+        <p:fade/>
+      </p:transition>
+    </mc:Fallback>
+  </mc:AlternateContent>
   <p:timing>
     <p:tnLst>
       <p:par>
@@ -4256,6 +5544,14 @@
 <file path=ppt/slides/slide4.xml><?xml version="1.0" encoding="utf-8"?>
 <p:sld xmlns:a="http://schemas.openxmlformats.org/drawingml/2006/main" xmlns:r="http://schemas.openxmlformats.org/officeDocument/2006/relationships" xmlns:p="http://schemas.openxmlformats.org/presentationml/2006/main">
   <p:cSld>
+    <p:bg>
+      <p:bgPr>
+        <a:solidFill>
+          <a:schemeClr val="bg1"/>
+        </a:solidFill>
+        <a:effectLst/>
+      </p:bgPr>
+    </p:bg>
     <p:spTree>
       <p:nvGrpSpPr>
         <p:cNvPr id="1" name=""/>
@@ -4286,6 +5582,313 @@
             <p:ph type="title"/>
           </p:nvPr>
         </p:nvSpPr>
+        <p:spPr>
+          <a:xfrm>
+            <a:off x="648929" y="629266"/>
+            <a:ext cx="3505495" cy="1622321"/>
+          </a:xfrm>
+        </p:spPr>
+        <p:txBody>
+          <a:bodyPr>
+            <a:normAutofit/>
+          </a:bodyPr>
+          <a:lstStyle/>
+          <a:p>
+            <a:r>
+              <a:rPr lang="en-GB" sz="4100"/>
+              <a:t>What is transfer learning</a:t>
+            </a:r>
+          </a:p>
+        </p:txBody>
+      </p:sp>
+      <p:sp>
+        <p:nvSpPr>
+          <p:cNvPr id="3" name="Content Placeholder 2">
+            <a:extLst>
+              <a:ext uri="{FF2B5EF4-FFF2-40B4-BE49-F238E27FC236}">
+                <a16:creationId xmlns:a16="http://schemas.microsoft.com/office/drawing/2014/main" id="{78DE23D1-93AB-510E-44AD-3DEF6577A04B}"/>
+              </a:ext>
+            </a:extLst>
+          </p:cNvPr>
+          <p:cNvSpPr>
+            <a:spLocks noGrp="1"/>
+          </p:cNvSpPr>
+          <p:nvPr>
+            <p:ph idx="1"/>
+          </p:nvPr>
+        </p:nvSpPr>
+        <p:spPr>
+          <a:xfrm>
+            <a:off x="648931" y="2438400"/>
+            <a:ext cx="3505494" cy="3785419"/>
+          </a:xfrm>
+        </p:spPr>
+        <p:txBody>
+          <a:bodyPr>
+            <a:normAutofit/>
+          </a:bodyPr>
+          <a:lstStyle/>
+          <a:p>
+            <a:r>
+              <a:rPr lang="en-US" sz="2000"/>
+              <a:t>Fine tuning </a:t>
+            </a:r>
+          </a:p>
+          <a:p>
+            <a:r>
+              <a:rPr lang="en-US" sz="2000"/>
+              <a:t>Feature extraction</a:t>
+            </a:r>
+          </a:p>
+          <a:p>
+            <a:r>
+              <a:rPr lang="en-US" sz="2000"/>
+              <a:t>Joint Training</a:t>
+            </a:r>
+          </a:p>
+        </p:txBody>
+      </p:sp>
+      <p:sp>
+        <p:nvSpPr>
+          <p:cNvPr id="1031" name="Rectangle 1030">
+            <a:extLst>
+              <a:ext uri="{FF2B5EF4-FFF2-40B4-BE49-F238E27FC236}">
+                <a16:creationId xmlns:a16="http://schemas.microsoft.com/office/drawing/2014/main" id="{5E39A796-BE83-48B1-B33F-35C4A32AAB57}"/>
+              </a:ext>
+              <a:ext uri="{C183D7F6-B498-43B3-948B-1728B52AA6E4}">
+                <adec:decorative xmlns:adec="http://schemas.microsoft.com/office/drawing/2017/decorative" val="1"/>
+              </a:ext>
+            </a:extLst>
+          </p:cNvPr>
+          <p:cNvSpPr>
+            <a:spLocks noGrp="1" noRot="1" noChangeAspect="1" noMove="1" noResize="1" noEditPoints="1" noAdjustHandles="1" noChangeArrowheads="1" noChangeShapeType="1" noTextEdit="1"/>
+          </p:cNvSpPr>
+          <p:nvPr>
+            <p:extLst>
+              <p:ext uri="{386F3935-93C4-4BCD-93E2-E3B085C9AB24}">
+                <p16:designElem xmlns:p16="http://schemas.microsoft.com/office/powerpoint/2015/main" val="1"/>
+              </p:ext>
+            </p:extLst>
+          </p:nvPr>
+        </p:nvSpPr>
+        <p:spPr>
+          <a:xfrm>
+            <a:off x="4639056" y="0"/>
+            <a:ext cx="7552944" cy="6858000"/>
+          </a:xfrm>
+          <a:prstGeom prst="rect">
+            <a:avLst/>
+          </a:prstGeom>
+          <a:solidFill>
+            <a:srgbClr val="C8CACA"/>
+          </a:solidFill>
+          <a:ln>
+            <a:noFill/>
+          </a:ln>
+        </p:spPr>
+        <p:style>
+          <a:lnRef idx="2">
+            <a:schemeClr val="accent1">
+              <a:shade val="50000"/>
+            </a:schemeClr>
+          </a:lnRef>
+          <a:fillRef idx="1">
+            <a:schemeClr val="accent1"/>
+          </a:fillRef>
+          <a:effectRef idx="0">
+            <a:schemeClr val="accent1"/>
+          </a:effectRef>
+          <a:fontRef idx="minor">
+            <a:schemeClr val="lt1"/>
+          </a:fontRef>
+        </p:style>
+        <p:txBody>
+          <a:bodyPr rtlCol="0" anchor="ctr"/>
+          <a:lstStyle/>
+          <a:p>
+            <a:pPr algn="ctr"/>
+            <a:endParaRPr lang="en-US"/>
+          </a:p>
+        </p:txBody>
+      </p:sp>
+      <p:sp>
+        <p:nvSpPr>
+          <p:cNvPr id="1033" name="Rounded Rectangle 9">
+            <a:extLst>
+              <a:ext uri="{FF2B5EF4-FFF2-40B4-BE49-F238E27FC236}">
+                <a16:creationId xmlns:a16="http://schemas.microsoft.com/office/drawing/2014/main" id="{72F84B47-E267-4194-8194-831DB7B5547F}"/>
+              </a:ext>
+              <a:ext uri="{C183D7F6-B498-43B3-948B-1728B52AA6E4}">
+                <adec:decorative xmlns:adec="http://schemas.microsoft.com/office/drawing/2017/decorative" val="1"/>
+              </a:ext>
+            </a:extLst>
+          </p:cNvPr>
+          <p:cNvSpPr>
+            <a:spLocks noGrp="1" noRot="1" noChangeAspect="1" noMove="1" noResize="1" noEditPoints="1" noAdjustHandles="1" noChangeArrowheads="1" noChangeShapeType="1" noTextEdit="1"/>
+          </p:cNvSpPr>
+          <p:nvPr>
+            <p:extLst>
+              <p:ext uri="{386F3935-93C4-4BCD-93E2-E3B085C9AB24}">
+                <p16:designElem xmlns:p16="http://schemas.microsoft.com/office/powerpoint/2015/main" val="1"/>
+              </p:ext>
+            </p:extLst>
+          </p:nvPr>
+        </p:nvSpPr>
+        <p:spPr>
+          <a:xfrm>
+            <a:off x="5123688" y="557784"/>
+            <a:ext cx="6584098" cy="5739187"/>
+          </a:xfrm>
+          <a:prstGeom prst="roundRect">
+            <a:avLst>
+              <a:gd name="adj" fmla="val 0"/>
+            </a:avLst>
+          </a:prstGeom>
+          <a:solidFill>
+            <a:srgbClr val="FFFFFF"/>
+          </a:solidFill>
+          <a:ln w="9525">
+            <a:solidFill>
+              <a:srgbClr val="C8CACA"/>
+            </a:solidFill>
+          </a:ln>
+          <a:effectLst>
+            <a:outerShdw blurRad="57150" dist="19050" dir="5400000" algn="t" rotWithShape="0">
+              <a:prstClr val="black">
+                <a:alpha val="63000"/>
+              </a:prstClr>
+            </a:outerShdw>
+          </a:effectLst>
+        </p:spPr>
+        <p:style>
+          <a:lnRef idx="2">
+            <a:schemeClr val="accent1">
+              <a:shade val="50000"/>
+            </a:schemeClr>
+          </a:lnRef>
+          <a:fillRef idx="1">
+            <a:schemeClr val="accent1"/>
+          </a:fillRef>
+          <a:effectRef idx="0">
+            <a:schemeClr val="accent1"/>
+          </a:effectRef>
+          <a:fontRef idx="minor">
+            <a:schemeClr val="lt1"/>
+          </a:fontRef>
+        </p:style>
+        <p:txBody>
+          <a:bodyPr rtlCol="0" anchor="ctr"/>
+          <a:lstStyle/>
+          <a:p>
+            <a:pPr algn="ctr"/>
+            <a:endParaRPr lang="en-US"/>
+          </a:p>
+        </p:txBody>
+      </p:sp>
+      <p:pic>
+        <p:nvPicPr>
+          <p:cNvPr id="1026" name="Picture 2">
+            <a:extLst>
+              <a:ext uri="{FF2B5EF4-FFF2-40B4-BE49-F238E27FC236}">
+                <a16:creationId xmlns:a16="http://schemas.microsoft.com/office/drawing/2014/main" id="{9C65F01B-1B52-82FE-395A-A4B66FA0FF3D}"/>
+              </a:ext>
+            </a:extLst>
+          </p:cNvPr>
+          <p:cNvPicPr>
+            <a:picLocks noChangeAspect="1" noChangeArrowheads="1"/>
+          </p:cNvPicPr>
+          <p:nvPr/>
+        </p:nvPicPr>
+        <p:blipFill rotWithShape="1">
+          <a:blip r:embed="rId3">
+            <a:extLst>
+              <a:ext uri="{28A0092B-C50C-407E-A947-70E740481C1C}">
+                <a14:useLocalDpi xmlns:a14="http://schemas.microsoft.com/office/drawing/2010/main" val="0"/>
+              </a:ext>
+            </a:extLst>
+          </a:blip>
+          <a:srcRect l="3858" r="971"/>
+          <a:stretch/>
+        </p:blipFill>
+        <p:spPr bwMode="auto">
+          <a:xfrm>
+            <a:off x="5190163" y="919181"/>
+            <a:ext cx="6517623" cy="5016391"/>
+          </a:xfrm>
+          <a:prstGeom prst="rect">
+            <a:avLst/>
+          </a:prstGeom>
+          <a:noFill/>
+          <a:effectLst/>
+          <a:extLst>
+            <a:ext uri="{909E8E84-426E-40DD-AFC4-6F175D3DCCD1}">
+              <a14:hiddenFill xmlns:a14="http://schemas.microsoft.com/office/drawing/2010/main">
+                <a:solidFill>
+                  <a:srgbClr val="FFFFFF"/>
+                </a:solidFill>
+              </a14:hiddenFill>
+            </a:ext>
+          </a:extLst>
+        </p:spPr>
+      </p:pic>
+    </p:spTree>
+    <p:extLst>
+      <p:ext uri="{BB962C8B-B14F-4D97-AF65-F5344CB8AC3E}">
+        <p14:creationId xmlns:p14="http://schemas.microsoft.com/office/powerpoint/2010/main" val="3444299991"/>
+      </p:ext>
+    </p:extLst>
+  </p:cSld>
+  <p:clrMapOvr>
+    <a:masterClrMapping/>
+  </p:clrMapOvr>
+  <mc:AlternateContent xmlns:mc="http://schemas.openxmlformats.org/markup-compatibility/2006">
+    <mc:Choice xmlns:p14="http://schemas.microsoft.com/office/powerpoint/2010/main" Requires="p14">
+      <p:transition spd="med" p14:dur="700">
+        <p:fade/>
+      </p:transition>
+    </mc:Choice>
+    <mc:Fallback>
+      <p:transition spd="med">
+        <p:fade/>
+      </p:transition>
+    </mc:Fallback>
+  </mc:AlternateContent>
+</p:sld>
+</file>
+
+<file path=ppt/slides/slide5.xml><?xml version="1.0" encoding="utf-8"?>
+<p:sld xmlns:a="http://schemas.openxmlformats.org/drawingml/2006/main" xmlns:r="http://schemas.openxmlformats.org/officeDocument/2006/relationships" xmlns:p="http://schemas.openxmlformats.org/presentationml/2006/main">
+  <p:cSld>
+    <p:spTree>
+      <p:nvGrpSpPr>
+        <p:cNvPr id="1" name=""/>
+        <p:cNvGrpSpPr/>
+        <p:nvPr/>
+      </p:nvGrpSpPr>
+      <p:grpSpPr>
+        <a:xfrm>
+          <a:off x="0" y="0"/>
+          <a:ext cx="0" cy="0"/>
+          <a:chOff x="0" y="0"/>
+          <a:chExt cx="0" cy="0"/>
+        </a:xfrm>
+      </p:grpSpPr>
+      <p:sp>
+        <p:nvSpPr>
+          <p:cNvPr id="2" name="Title 1">
+            <a:extLst>
+              <a:ext uri="{FF2B5EF4-FFF2-40B4-BE49-F238E27FC236}">
+                <a16:creationId xmlns:a16="http://schemas.microsoft.com/office/drawing/2014/main" id="{F48A5DF5-9273-5D6E-84BD-2AF0BF7C3792}"/>
+              </a:ext>
+            </a:extLst>
+          </p:cNvPr>
+          <p:cNvSpPr>
+            <a:spLocks noGrp="1"/>
+          </p:cNvSpPr>
+          <p:nvPr>
+            <p:ph type="title"/>
+          </p:nvPr>
+        </p:nvSpPr>
         <p:spPr/>
         <p:txBody>
           <a:bodyPr/>
@@ -4318,19 +5921,300 @@
         <p:txBody>
           <a:bodyPr/>
           <a:lstStyle/>
+          <a:p>
+            <a:pPr marL="0" indent="0">
+              <a:buNone/>
+            </a:pPr>
+            <a:r>
+              <a:rPr lang="en-GB" sz="2800" dirty="0" err="1">
+                <a:hlinkClick r:id="rId2"/>
+              </a:rPr>
+              <a:t>torchivision.models</a:t>
+            </a:r>
+            <a:r>
+              <a:rPr lang="fr-FR" sz="2800" dirty="0"/>
+              <a:t> </a:t>
+            </a:r>
+            <a:r>
+              <a:rPr lang="fr-FR" sz="2800" dirty="0" err="1"/>
+              <a:t>is</a:t>
+            </a:r>
+            <a:r>
+              <a:rPr lang="fr-FR" sz="2800" dirty="0"/>
+              <a:t> a </a:t>
+            </a:r>
+            <a:r>
+              <a:rPr lang="en-US" sz="2800" b="0" i="0" dirty="0" err="1">
+                <a:solidFill>
+                  <a:srgbClr val="262626"/>
+                </a:solidFill>
+                <a:effectLst/>
+                <a:latin typeface="FreightSans"/>
+              </a:rPr>
+              <a:t>subpackage</a:t>
+            </a:r>
+            <a:r>
+              <a:rPr lang="en-US" sz="2800" b="0" i="0" dirty="0">
+                <a:solidFill>
+                  <a:srgbClr val="262626"/>
+                </a:solidFill>
+                <a:effectLst/>
+                <a:latin typeface="FreightSans"/>
+              </a:rPr>
+              <a:t> that contains architectures and weights of pre-trained models for addressing different tasks, e.g.</a:t>
+            </a:r>
+            <a:r>
+              <a:rPr lang="en-US" sz="2800" dirty="0">
+                <a:solidFill>
+                  <a:srgbClr val="262626"/>
+                </a:solidFill>
+                <a:latin typeface="FreightSans"/>
+              </a:rPr>
+              <a:t>:</a:t>
+            </a:r>
+          </a:p>
+          <a:p>
+            <a:endParaRPr lang="en-US" dirty="0">
+              <a:solidFill>
+                <a:srgbClr val="262626"/>
+              </a:solidFill>
+              <a:latin typeface="FreightSans"/>
+            </a:endParaRPr>
+          </a:p>
+          <a:p>
+            <a:pPr marL="0" indent="0">
+              <a:buNone/>
+            </a:pPr>
+            <a:r>
+              <a:rPr lang="en-US" sz="2400" b="0" dirty="0">
+                <a:solidFill>
+                  <a:srgbClr val="C586C0"/>
+                </a:solidFill>
+                <a:effectLst/>
+                <a:highlight>
+                  <a:srgbClr val="000000"/>
+                </a:highlight>
+                <a:latin typeface="Courier New" panose="02070309020205020404" pitchFamily="49" charset="0"/>
+                <a:cs typeface="Courier New" panose="02070309020205020404" pitchFamily="49" charset="0"/>
+              </a:rPr>
+              <a:t>from</a:t>
+            </a:r>
+            <a:r>
+              <a:rPr lang="fr-FR" sz="2400" dirty="0">
+                <a:solidFill>
+                  <a:srgbClr val="D4D4D4"/>
+                </a:solidFill>
+                <a:highlight>
+                  <a:srgbClr val="000000"/>
+                </a:highlight>
+                <a:latin typeface="Courier New" panose="02070309020205020404" pitchFamily="49" charset="0"/>
+                <a:cs typeface="Courier New" panose="02070309020205020404" pitchFamily="49" charset="0"/>
+              </a:rPr>
+              <a:t> </a:t>
+            </a:r>
+            <a:r>
+              <a:rPr lang="fr-FR" sz="2400" dirty="0" err="1">
+                <a:solidFill>
+                  <a:srgbClr val="D4D4D4"/>
+                </a:solidFill>
+                <a:highlight>
+                  <a:srgbClr val="000000"/>
+                </a:highlight>
+                <a:latin typeface="Courier New" panose="02070309020205020404" pitchFamily="49" charset="0"/>
+                <a:cs typeface="Courier New" panose="02070309020205020404" pitchFamily="49" charset="0"/>
+              </a:rPr>
+              <a:t>torchvision</a:t>
+            </a:r>
+            <a:r>
+              <a:rPr lang="fr-FR" sz="2400" dirty="0">
+                <a:solidFill>
+                  <a:srgbClr val="D4D4D4"/>
+                </a:solidFill>
+                <a:highlight>
+                  <a:srgbClr val="000000"/>
+                </a:highlight>
+                <a:latin typeface="Courier New" panose="02070309020205020404" pitchFamily="49" charset="0"/>
+                <a:cs typeface="Courier New" panose="02070309020205020404" pitchFamily="49" charset="0"/>
+              </a:rPr>
+              <a:t> </a:t>
+            </a:r>
+            <a:r>
+              <a:rPr lang="en-US" sz="2400" b="0" dirty="0">
+                <a:solidFill>
+                  <a:srgbClr val="C586C0"/>
+                </a:solidFill>
+                <a:effectLst/>
+                <a:highlight>
+                  <a:srgbClr val="000000"/>
+                </a:highlight>
+                <a:latin typeface="Courier New" panose="02070309020205020404" pitchFamily="49" charset="0"/>
+                <a:cs typeface="Courier New" panose="02070309020205020404" pitchFamily="49" charset="0"/>
+              </a:rPr>
+              <a:t>import</a:t>
+            </a:r>
+            <a:r>
+              <a:rPr lang="fr-FR" sz="2400" dirty="0">
+                <a:solidFill>
+                  <a:srgbClr val="D4D4D4"/>
+                </a:solidFill>
+                <a:highlight>
+                  <a:srgbClr val="000000"/>
+                </a:highlight>
+                <a:latin typeface="Courier New" panose="02070309020205020404" pitchFamily="49" charset="0"/>
+                <a:cs typeface="Courier New" panose="02070309020205020404" pitchFamily="49" charset="0"/>
+              </a:rPr>
+              <a:t> </a:t>
+            </a:r>
+            <a:r>
+              <a:rPr lang="fr-FR" sz="2400" dirty="0" err="1">
+                <a:solidFill>
+                  <a:srgbClr val="D4D4D4"/>
+                </a:solidFill>
+                <a:highlight>
+                  <a:srgbClr val="000000"/>
+                </a:highlight>
+                <a:latin typeface="Courier New" panose="02070309020205020404" pitchFamily="49" charset="0"/>
+                <a:cs typeface="Courier New" panose="02070309020205020404" pitchFamily="49" charset="0"/>
+              </a:rPr>
+              <a:t>models</a:t>
+            </a:r>
+            <a:r>
+              <a:rPr lang="fr-FR" sz="2800" dirty="0">
+                <a:solidFill>
+                  <a:srgbClr val="262626"/>
+                </a:solidFill>
+                <a:latin typeface="FreightSans"/>
+              </a:rPr>
+              <a:t> -&gt; </a:t>
+            </a:r>
+            <a:r>
+              <a:rPr lang="en-GB" sz="2800" dirty="0">
+                <a:solidFill>
+                  <a:srgbClr val="262626"/>
+                </a:solidFill>
+                <a:latin typeface="FreightSans"/>
+              </a:rPr>
+              <a:t>get the models</a:t>
+            </a:r>
+          </a:p>
+          <a:p>
+            <a:pPr marL="0" indent="0">
+              <a:buNone/>
+            </a:pPr>
+            <a:r>
+              <a:rPr lang="en-US" sz="2400" b="0" dirty="0">
+                <a:solidFill>
+                  <a:srgbClr val="C586C0"/>
+                </a:solidFill>
+                <a:effectLst/>
+                <a:highlight>
+                  <a:srgbClr val="000000"/>
+                </a:highlight>
+                <a:latin typeface="Courier New" panose="02070309020205020404" pitchFamily="49" charset="0"/>
+                <a:cs typeface="Courier New" panose="02070309020205020404" pitchFamily="49" charset="0"/>
+              </a:rPr>
+              <a:t>from</a:t>
+            </a:r>
+            <a:r>
+              <a:rPr lang="en-US" sz="2400" b="0" dirty="0">
+                <a:solidFill>
+                  <a:srgbClr val="D4D4D4"/>
+                </a:solidFill>
+                <a:effectLst/>
+                <a:highlight>
+                  <a:srgbClr val="000000"/>
+                </a:highlight>
+                <a:latin typeface="Courier New" panose="02070309020205020404" pitchFamily="49" charset="0"/>
+                <a:cs typeface="Courier New" panose="02070309020205020404" pitchFamily="49" charset="0"/>
+              </a:rPr>
+              <a:t> </a:t>
+            </a:r>
+            <a:r>
+              <a:rPr lang="en-US" sz="2400" b="0" dirty="0" err="1">
+                <a:solidFill>
+                  <a:srgbClr val="D4D4D4"/>
+                </a:solidFill>
+                <a:effectLst/>
+                <a:highlight>
+                  <a:srgbClr val="000000"/>
+                </a:highlight>
+                <a:latin typeface="Courier New" panose="02070309020205020404" pitchFamily="49" charset="0"/>
+                <a:cs typeface="Courier New" panose="02070309020205020404" pitchFamily="49" charset="0"/>
+              </a:rPr>
+              <a:t>torchvision.models</a:t>
+            </a:r>
+            <a:r>
+              <a:rPr lang="en-US" sz="2400" b="0" dirty="0">
+                <a:solidFill>
+                  <a:srgbClr val="D4D4D4"/>
+                </a:solidFill>
+                <a:effectLst/>
+                <a:highlight>
+                  <a:srgbClr val="000000"/>
+                </a:highlight>
+                <a:latin typeface="Courier New" panose="02070309020205020404" pitchFamily="49" charset="0"/>
+                <a:cs typeface="Courier New" panose="02070309020205020404" pitchFamily="49" charset="0"/>
+              </a:rPr>
+              <a:t> </a:t>
+            </a:r>
+            <a:r>
+              <a:rPr lang="en-US" sz="2400" b="0" dirty="0">
+                <a:solidFill>
+                  <a:srgbClr val="C586C0"/>
+                </a:solidFill>
+                <a:effectLst/>
+                <a:highlight>
+                  <a:srgbClr val="000000"/>
+                </a:highlight>
+                <a:latin typeface="Courier New" panose="02070309020205020404" pitchFamily="49" charset="0"/>
+                <a:cs typeface="Courier New" panose="02070309020205020404" pitchFamily="49" charset="0"/>
+              </a:rPr>
+              <a:t>import</a:t>
+            </a:r>
+            <a:r>
+              <a:rPr lang="en-US" sz="2400" b="0" dirty="0">
+                <a:solidFill>
+                  <a:srgbClr val="D4D4D4"/>
+                </a:solidFill>
+                <a:effectLst/>
+                <a:highlight>
+                  <a:srgbClr val="000000"/>
+                </a:highlight>
+                <a:latin typeface="Courier New" panose="02070309020205020404" pitchFamily="49" charset="0"/>
+                <a:cs typeface="Courier New" panose="02070309020205020404" pitchFamily="49" charset="0"/>
+              </a:rPr>
+              <a:t> ResNet18_Weights</a:t>
+            </a:r>
+            <a:r>
+              <a:rPr lang="en-US" sz="2800" dirty="0">
+                <a:solidFill>
+                  <a:srgbClr val="262626"/>
+                </a:solidFill>
+                <a:latin typeface="FreightSans"/>
+              </a:rPr>
+              <a:t> -&gt; get the weights</a:t>
+            </a:r>
+          </a:p>
           <a:p>
             <a:pPr marL="0" indent="0" algn="just">
               <a:buNone/>
             </a:pPr>
+            <a:endParaRPr lang="en-US" dirty="0"/>
+          </a:p>
+          <a:p>
+            <a:pPr marL="0" indent="0" algn="just">
+              <a:buNone/>
+            </a:pPr>
+            <a:endParaRPr lang="en-US" dirty="0"/>
+          </a:p>
+          <a:p>
+            <a:pPr marL="0" indent="0" algn="just">
+              <a:buNone/>
+            </a:pPr>
             <a:r>
               <a:rPr lang="en-US" dirty="0"/>
-              <a:t>-&gt; DL_Practice_5_a_solutions.ipynb </a:t>
-            </a:r>
-            <a:r>
-              <a:rPr lang="en-US"/>
-              <a:t>on Github</a:t>
-            </a:r>
-            <a:endParaRPr lang="en-US" dirty="0"/>
+              <a:t>-&gt; DL_Practice_5_a_solutions.ipynb on Github</a:t>
+            </a:r>
           </a:p>
         </p:txBody>
       </p:sp>
@@ -4344,6 +6228,1157 @@
   <p:clrMapOvr>
     <a:masterClrMapping/>
   </p:clrMapOvr>
+  <mc:AlternateContent xmlns:mc="http://schemas.openxmlformats.org/markup-compatibility/2006">
+    <mc:Choice xmlns:p14="http://schemas.microsoft.com/office/powerpoint/2010/main" Requires="p14">
+      <p:transition spd="med" p14:dur="700">
+        <p:fade/>
+      </p:transition>
+    </mc:Choice>
+    <mc:Fallback>
+      <p:transition spd="med">
+        <p:fade/>
+      </p:transition>
+    </mc:Fallback>
+  </mc:AlternateContent>
+</p:sld>
+</file>
+
+<file path=ppt/slides/slide6.xml><?xml version="1.0" encoding="utf-8"?>
+<p:sld xmlns:a="http://schemas.openxmlformats.org/drawingml/2006/main" xmlns:r="http://schemas.openxmlformats.org/officeDocument/2006/relationships" xmlns:p="http://schemas.openxmlformats.org/presentationml/2006/main">
+  <p:cSld>
+    <p:spTree>
+      <p:nvGrpSpPr>
+        <p:cNvPr id="1" name=""/>
+        <p:cNvGrpSpPr/>
+        <p:nvPr/>
+      </p:nvGrpSpPr>
+      <p:grpSpPr>
+        <a:xfrm>
+          <a:off x="0" y="0"/>
+          <a:ext cx="0" cy="0"/>
+          <a:chOff x="0" y="0"/>
+          <a:chExt cx="0" cy="0"/>
+        </a:xfrm>
+      </p:grpSpPr>
+      <p:sp>
+        <p:nvSpPr>
+          <p:cNvPr id="2" name="Title 1">
+            <a:extLst>
+              <a:ext uri="{FF2B5EF4-FFF2-40B4-BE49-F238E27FC236}">
+                <a16:creationId xmlns:a16="http://schemas.microsoft.com/office/drawing/2014/main" id="{391C29FD-B28B-9634-C041-8763FBD4CC2C}"/>
+              </a:ext>
+            </a:extLst>
+          </p:cNvPr>
+          <p:cNvSpPr>
+            <a:spLocks noGrp="1"/>
+          </p:cNvSpPr>
+          <p:nvPr>
+            <p:ph type="title"/>
+          </p:nvPr>
+        </p:nvSpPr>
+        <p:spPr/>
+        <p:txBody>
+          <a:bodyPr/>
+          <a:lstStyle/>
+          <a:p>
+            <a:r>
+              <a:rPr lang="fr-FR" dirty="0" err="1"/>
+              <a:t>Available</a:t>
+            </a:r>
+            <a:r>
+              <a:rPr lang="fr-FR" dirty="0"/>
+              <a:t> </a:t>
+            </a:r>
+            <a:r>
+              <a:rPr lang="fr-FR" dirty="0" err="1"/>
+              <a:t>models</a:t>
+            </a:r>
+            <a:r>
+              <a:rPr lang="fr-FR" dirty="0"/>
+              <a:t> in PyTorch</a:t>
+            </a:r>
+          </a:p>
+        </p:txBody>
+      </p:sp>
+      <p:sp>
+        <p:nvSpPr>
+          <p:cNvPr id="3" name="Content Placeholder 2">
+            <a:extLst>
+              <a:ext uri="{FF2B5EF4-FFF2-40B4-BE49-F238E27FC236}">
+                <a16:creationId xmlns:a16="http://schemas.microsoft.com/office/drawing/2014/main" id="{51EDE61E-E27E-DE42-6A9F-E097B499FE30}"/>
+              </a:ext>
+            </a:extLst>
+          </p:cNvPr>
+          <p:cNvSpPr>
+            <a:spLocks noGrp="1"/>
+          </p:cNvSpPr>
+          <p:nvPr>
+            <p:ph idx="1"/>
+          </p:nvPr>
+        </p:nvSpPr>
+        <p:spPr/>
+        <p:txBody>
+          <a:bodyPr/>
+          <a:lstStyle/>
+          <a:p>
+            <a:r>
+              <a:rPr lang="fr-FR" b="0" i="0" dirty="0" err="1">
+                <a:solidFill>
+                  <a:srgbClr val="262626"/>
+                </a:solidFill>
+                <a:effectLst/>
+                <a:latin typeface="FreightSans"/>
+              </a:rPr>
+              <a:t>Models</a:t>
+            </a:r>
+            <a:r>
+              <a:rPr lang="fr-FR" b="0" i="0" dirty="0">
+                <a:solidFill>
+                  <a:srgbClr val="262626"/>
+                </a:solidFill>
+                <a:effectLst/>
+                <a:latin typeface="FreightSans"/>
+              </a:rPr>
+              <a:t> </a:t>
+            </a:r>
+            <a:r>
+              <a:rPr lang="fr-FR" b="0" i="0" dirty="0" err="1">
+                <a:solidFill>
+                  <a:srgbClr val="262626"/>
+                </a:solidFill>
+                <a:effectLst/>
+                <a:latin typeface="FreightSans"/>
+              </a:rPr>
+              <a:t>available</a:t>
+            </a:r>
+            <a:r>
+              <a:rPr lang="fr-FR" b="0" i="0" dirty="0">
+                <a:solidFill>
+                  <a:srgbClr val="262626"/>
+                </a:solidFill>
+                <a:effectLst/>
+                <a:latin typeface="FreightSans"/>
+              </a:rPr>
+              <a:t> for </a:t>
+            </a:r>
+          </a:p>
+          <a:p>
+            <a:pPr lvl="1"/>
+            <a:r>
+              <a:rPr lang="fr-FR" b="0" i="0" dirty="0">
+                <a:solidFill>
+                  <a:srgbClr val="262626"/>
+                </a:solidFill>
+                <a:effectLst/>
+                <a:latin typeface="FreightSans"/>
+              </a:rPr>
+              <a:t>image classification, </a:t>
+            </a:r>
+          </a:p>
+          <a:p>
+            <a:pPr lvl="1"/>
+            <a:r>
+              <a:rPr lang="fr-FR" b="0" i="0" dirty="0" err="1">
+                <a:solidFill>
+                  <a:srgbClr val="262626"/>
+                </a:solidFill>
+                <a:effectLst/>
+                <a:latin typeface="FreightSans"/>
+              </a:rPr>
+              <a:t>pixelwise</a:t>
+            </a:r>
+            <a:r>
+              <a:rPr lang="fr-FR" b="0" i="0" dirty="0">
+                <a:solidFill>
+                  <a:srgbClr val="262626"/>
+                </a:solidFill>
+                <a:effectLst/>
+                <a:latin typeface="FreightSans"/>
+              </a:rPr>
+              <a:t> </a:t>
+            </a:r>
+            <a:r>
+              <a:rPr lang="fr-FR" b="0" i="0" dirty="0" err="1">
+                <a:solidFill>
+                  <a:srgbClr val="262626"/>
+                </a:solidFill>
+                <a:effectLst/>
+                <a:latin typeface="FreightSans"/>
+              </a:rPr>
+              <a:t>semantic</a:t>
+            </a:r>
+            <a:r>
+              <a:rPr lang="fr-FR" b="0" i="0" dirty="0">
+                <a:solidFill>
+                  <a:srgbClr val="262626"/>
+                </a:solidFill>
+                <a:effectLst/>
+                <a:latin typeface="FreightSans"/>
+              </a:rPr>
+              <a:t> segmentation, </a:t>
+            </a:r>
+          </a:p>
+          <a:p>
+            <a:pPr lvl="1"/>
+            <a:r>
+              <a:rPr lang="fr-FR" b="0" i="0" dirty="0" err="1">
+                <a:solidFill>
+                  <a:srgbClr val="262626"/>
+                </a:solidFill>
+                <a:effectLst/>
+                <a:latin typeface="FreightSans"/>
+              </a:rPr>
+              <a:t>object</a:t>
+            </a:r>
+            <a:r>
+              <a:rPr lang="fr-FR" b="0" i="0" dirty="0">
+                <a:solidFill>
+                  <a:srgbClr val="262626"/>
+                </a:solidFill>
+                <a:effectLst/>
+                <a:latin typeface="FreightSans"/>
+              </a:rPr>
+              <a:t> </a:t>
+            </a:r>
+            <a:r>
+              <a:rPr lang="fr-FR" b="0" i="0" dirty="0" err="1">
+                <a:solidFill>
+                  <a:srgbClr val="262626"/>
+                </a:solidFill>
+                <a:effectLst/>
+                <a:latin typeface="FreightSans"/>
+              </a:rPr>
+              <a:t>detection</a:t>
+            </a:r>
+            <a:r>
+              <a:rPr lang="fr-FR" b="0" i="0" dirty="0">
+                <a:solidFill>
+                  <a:srgbClr val="262626"/>
+                </a:solidFill>
+                <a:effectLst/>
+                <a:latin typeface="FreightSans"/>
+              </a:rPr>
+              <a:t>, </a:t>
+            </a:r>
+          </a:p>
+          <a:p>
+            <a:pPr lvl="1"/>
+            <a:r>
+              <a:rPr lang="fr-FR" b="0" i="0" dirty="0">
+                <a:solidFill>
+                  <a:srgbClr val="262626"/>
+                </a:solidFill>
+                <a:effectLst/>
+                <a:latin typeface="FreightSans"/>
+              </a:rPr>
+              <a:t>instance segmentation, </a:t>
+            </a:r>
+          </a:p>
+          <a:p>
+            <a:pPr lvl="1"/>
+            <a:r>
+              <a:rPr lang="fr-FR" b="0" i="0" dirty="0" err="1">
+                <a:solidFill>
+                  <a:srgbClr val="262626"/>
+                </a:solidFill>
+                <a:effectLst/>
+                <a:latin typeface="FreightSans"/>
+              </a:rPr>
+              <a:t>person</a:t>
+            </a:r>
+            <a:r>
+              <a:rPr lang="fr-FR" b="0" i="0" dirty="0">
+                <a:solidFill>
+                  <a:srgbClr val="262626"/>
+                </a:solidFill>
+                <a:effectLst/>
+                <a:latin typeface="FreightSans"/>
+              </a:rPr>
+              <a:t> </a:t>
+            </a:r>
+            <a:r>
+              <a:rPr lang="fr-FR" b="0" i="0" dirty="0" err="1">
+                <a:solidFill>
+                  <a:srgbClr val="262626"/>
+                </a:solidFill>
+                <a:effectLst/>
+                <a:latin typeface="FreightSans"/>
+              </a:rPr>
+              <a:t>keypoint</a:t>
+            </a:r>
+            <a:r>
+              <a:rPr lang="fr-FR" b="0" i="0" dirty="0">
+                <a:solidFill>
+                  <a:srgbClr val="262626"/>
+                </a:solidFill>
+                <a:effectLst/>
+                <a:latin typeface="FreightSans"/>
+              </a:rPr>
+              <a:t> </a:t>
+            </a:r>
+            <a:r>
+              <a:rPr lang="fr-FR" b="0" i="0" dirty="0" err="1">
+                <a:solidFill>
+                  <a:srgbClr val="262626"/>
+                </a:solidFill>
+                <a:effectLst/>
+                <a:latin typeface="FreightSans"/>
+              </a:rPr>
+              <a:t>detection</a:t>
+            </a:r>
+            <a:r>
+              <a:rPr lang="fr-FR" b="0" i="0" dirty="0">
+                <a:solidFill>
+                  <a:srgbClr val="262626"/>
+                </a:solidFill>
+                <a:effectLst/>
+                <a:latin typeface="FreightSans"/>
+              </a:rPr>
+              <a:t> and ,</a:t>
+            </a:r>
+          </a:p>
+          <a:p>
+            <a:pPr lvl="1"/>
+            <a:r>
+              <a:rPr lang="fr-FR" b="0" i="0" dirty="0" err="1">
+                <a:solidFill>
+                  <a:srgbClr val="262626"/>
+                </a:solidFill>
+                <a:effectLst/>
+                <a:latin typeface="FreightSans"/>
+              </a:rPr>
+              <a:t>video</a:t>
+            </a:r>
+            <a:r>
+              <a:rPr lang="fr-FR" b="0" i="0" dirty="0">
+                <a:solidFill>
+                  <a:srgbClr val="262626"/>
+                </a:solidFill>
+                <a:effectLst/>
+                <a:latin typeface="FreightSans"/>
+              </a:rPr>
+              <a:t> classification</a:t>
+            </a:r>
+            <a:endParaRPr lang="fr-FR" dirty="0"/>
+          </a:p>
+        </p:txBody>
+      </p:sp>
+    </p:spTree>
+    <p:extLst>
+      <p:ext uri="{BB962C8B-B14F-4D97-AF65-F5344CB8AC3E}">
+        <p14:creationId xmlns:p14="http://schemas.microsoft.com/office/powerpoint/2010/main" val="1107832610"/>
+      </p:ext>
+    </p:extLst>
+  </p:cSld>
+  <p:clrMapOvr>
+    <a:masterClrMapping/>
+  </p:clrMapOvr>
+  <mc:AlternateContent xmlns:mc="http://schemas.openxmlformats.org/markup-compatibility/2006">
+    <mc:Choice xmlns:p14="http://schemas.microsoft.com/office/powerpoint/2010/main" Requires="p14">
+      <p:transition spd="med" p14:dur="700">
+        <p:fade/>
+      </p:transition>
+    </mc:Choice>
+    <mc:Fallback>
+      <p:transition spd="med">
+        <p:fade/>
+      </p:transition>
+    </mc:Fallback>
+  </mc:AlternateContent>
+</p:sld>
+</file>
+
+<file path=ppt/slides/slide7.xml><?xml version="1.0" encoding="utf-8"?>
+<p:sld xmlns:a="http://schemas.openxmlformats.org/drawingml/2006/main" xmlns:r="http://schemas.openxmlformats.org/officeDocument/2006/relationships" xmlns:p="http://schemas.openxmlformats.org/presentationml/2006/main">
+  <p:cSld>
+    <p:spTree>
+      <p:nvGrpSpPr>
+        <p:cNvPr id="1" name=""/>
+        <p:cNvGrpSpPr/>
+        <p:nvPr/>
+      </p:nvGrpSpPr>
+      <p:grpSpPr>
+        <a:xfrm>
+          <a:off x="0" y="0"/>
+          <a:ext cx="0" cy="0"/>
+          <a:chOff x="0" y="0"/>
+          <a:chExt cx="0" cy="0"/>
+        </a:xfrm>
+      </p:grpSpPr>
+      <p:sp>
+        <p:nvSpPr>
+          <p:cNvPr id="2" name="Title 1">
+            <a:extLst>
+              <a:ext uri="{FF2B5EF4-FFF2-40B4-BE49-F238E27FC236}">
+                <a16:creationId xmlns:a16="http://schemas.microsoft.com/office/drawing/2014/main" id="{391C29FD-B28B-9634-C041-8763FBD4CC2C}"/>
+              </a:ext>
+            </a:extLst>
+          </p:cNvPr>
+          <p:cNvSpPr>
+            <a:spLocks noGrp="1"/>
+          </p:cNvSpPr>
+          <p:nvPr>
+            <p:ph type="title"/>
+          </p:nvPr>
+        </p:nvSpPr>
+        <p:spPr/>
+        <p:txBody>
+          <a:bodyPr/>
+          <a:lstStyle/>
+          <a:p>
+            <a:r>
+              <a:rPr lang="fr-FR" dirty="0" err="1"/>
+              <a:t>ImageNet</a:t>
+            </a:r>
+            <a:endParaRPr lang="fr-FR" dirty="0"/>
+          </a:p>
+        </p:txBody>
+      </p:sp>
+      <p:sp>
+        <p:nvSpPr>
+          <p:cNvPr id="3" name="Content Placeholder 2">
+            <a:extLst>
+              <a:ext uri="{FF2B5EF4-FFF2-40B4-BE49-F238E27FC236}">
+                <a16:creationId xmlns:a16="http://schemas.microsoft.com/office/drawing/2014/main" id="{51EDE61E-E27E-DE42-6A9F-E097B499FE30}"/>
+              </a:ext>
+            </a:extLst>
+          </p:cNvPr>
+          <p:cNvSpPr>
+            <a:spLocks noGrp="1"/>
+          </p:cNvSpPr>
+          <p:nvPr>
+            <p:ph idx="1"/>
+          </p:nvPr>
+        </p:nvSpPr>
+        <p:spPr>
+          <a:xfrm>
+            <a:off x="838200" y="1825625"/>
+            <a:ext cx="10515600" cy="4667250"/>
+          </a:xfrm>
+        </p:spPr>
+        <p:txBody>
+          <a:bodyPr>
+            <a:normAutofit/>
+          </a:bodyPr>
+          <a:lstStyle/>
+          <a:p>
+            <a:pPr algn="just"/>
+            <a:r>
+              <a:rPr lang="en-US" dirty="0"/>
+              <a:t>First introduced in 2009</a:t>
+            </a:r>
+          </a:p>
+          <a:p>
+            <a:pPr algn="just"/>
+            <a:r>
+              <a:rPr lang="en-US" dirty="0"/>
+              <a:t>Dataset contains over 14 million images, spanning over 20,000 different classes.</a:t>
+            </a:r>
+          </a:p>
+          <a:p>
+            <a:pPr algn="just"/>
+            <a:r>
+              <a:rPr lang="en-US" dirty="0"/>
+              <a:t>ImageNet is commonly used as a benchmark dataset for training and evaluating image classification models.</a:t>
+            </a:r>
+          </a:p>
+          <a:p>
+            <a:pPr algn="just"/>
+            <a:r>
+              <a:rPr lang="en-US" dirty="0"/>
+              <a:t>Widely used in the computer vision research community </a:t>
+            </a:r>
+          </a:p>
+        </p:txBody>
+      </p:sp>
+    </p:spTree>
+    <p:extLst>
+      <p:ext uri="{BB962C8B-B14F-4D97-AF65-F5344CB8AC3E}">
+        <p14:creationId xmlns:p14="http://schemas.microsoft.com/office/powerpoint/2010/main" val="1797301352"/>
+      </p:ext>
+    </p:extLst>
+  </p:cSld>
+  <p:clrMapOvr>
+    <a:masterClrMapping/>
+  </p:clrMapOvr>
+  <mc:AlternateContent xmlns:mc="http://schemas.openxmlformats.org/markup-compatibility/2006">
+    <mc:Choice xmlns:p14="http://schemas.microsoft.com/office/powerpoint/2010/main" Requires="p14">
+      <p:transition spd="med" p14:dur="700">
+        <p:fade/>
+      </p:transition>
+    </mc:Choice>
+    <mc:Fallback>
+      <p:transition spd="med">
+        <p:fade/>
+      </p:transition>
+    </mc:Fallback>
+  </mc:AlternateContent>
+  <p:timing>
+    <p:tnLst>
+      <p:par>
+        <p:cTn id="1" dur="indefinite" restart="never" nodeType="tmRoot">
+          <p:childTnLst>
+            <p:seq concurrent="1" nextAc="seek">
+              <p:cTn id="2" dur="indefinite" nodeType="mainSeq">
+                <p:childTnLst>
+                  <p:par>
+                    <p:cTn id="3" fill="hold">
+                      <p:stCondLst>
+                        <p:cond delay="indefinite"/>
+                      </p:stCondLst>
+                      <p:childTnLst>
+                        <p:par>
+                          <p:cTn id="4" fill="hold">
+                            <p:stCondLst>
+                              <p:cond delay="0"/>
+                            </p:stCondLst>
+                            <p:childTnLst>
+                              <p:par>
+                                <p:cTn id="5" presetID="10" presetClass="entr" presetSubtype="0" fill="hold" nodeType="clickEffect">
+                                  <p:stCondLst>
+                                    <p:cond delay="0"/>
+                                  </p:stCondLst>
+                                  <p:childTnLst>
+                                    <p:set>
+                                      <p:cBhvr>
+                                        <p:cTn id="6" dur="1" fill="hold">
+                                          <p:stCondLst>
+                                            <p:cond delay="0"/>
+                                          </p:stCondLst>
+                                        </p:cTn>
+                                        <p:tgtEl>
+                                          <p:spTgt spid="3">
+                                            <p:txEl>
+                                              <p:pRg st="1" end="1"/>
+                                            </p:txEl>
+                                          </p:spTgt>
+                                        </p:tgtEl>
+                                        <p:attrNameLst>
+                                          <p:attrName>style.visibility</p:attrName>
+                                        </p:attrNameLst>
+                                      </p:cBhvr>
+                                      <p:to>
+                                        <p:strVal val="visible"/>
+                                      </p:to>
+                                    </p:set>
+                                    <p:animEffect transition="in" filter="fade">
+                                      <p:cBhvr>
+                                        <p:cTn id="7" dur="500"/>
+                                        <p:tgtEl>
+                                          <p:spTgt spid="3">
+                                            <p:txEl>
+                                              <p:pRg st="1" end="1"/>
+                                            </p:txEl>
+                                          </p:spTgt>
+                                        </p:tgtEl>
+                                      </p:cBhvr>
+                                    </p:animEffect>
+                                  </p:childTnLst>
+                                </p:cTn>
+                              </p:par>
+                            </p:childTnLst>
+                          </p:cTn>
+                        </p:par>
+                      </p:childTnLst>
+                    </p:cTn>
+                  </p:par>
+                  <p:par>
+                    <p:cTn id="8" fill="hold">
+                      <p:stCondLst>
+                        <p:cond delay="indefinite"/>
+                      </p:stCondLst>
+                      <p:childTnLst>
+                        <p:par>
+                          <p:cTn id="9" fill="hold">
+                            <p:stCondLst>
+                              <p:cond delay="0"/>
+                            </p:stCondLst>
+                            <p:childTnLst>
+                              <p:par>
+                                <p:cTn id="10" presetID="10" presetClass="entr" presetSubtype="0" fill="hold" nodeType="clickEffect">
+                                  <p:stCondLst>
+                                    <p:cond delay="0"/>
+                                  </p:stCondLst>
+                                  <p:childTnLst>
+                                    <p:set>
+                                      <p:cBhvr>
+                                        <p:cTn id="11" dur="1" fill="hold">
+                                          <p:stCondLst>
+                                            <p:cond delay="0"/>
+                                          </p:stCondLst>
+                                        </p:cTn>
+                                        <p:tgtEl>
+                                          <p:spTgt spid="3">
+                                            <p:txEl>
+                                              <p:pRg st="2" end="2"/>
+                                            </p:txEl>
+                                          </p:spTgt>
+                                        </p:tgtEl>
+                                        <p:attrNameLst>
+                                          <p:attrName>style.visibility</p:attrName>
+                                        </p:attrNameLst>
+                                      </p:cBhvr>
+                                      <p:to>
+                                        <p:strVal val="visible"/>
+                                      </p:to>
+                                    </p:set>
+                                    <p:animEffect transition="in" filter="fade">
+                                      <p:cBhvr>
+                                        <p:cTn id="12" dur="500"/>
+                                        <p:tgtEl>
+                                          <p:spTgt spid="3">
+                                            <p:txEl>
+                                              <p:pRg st="2" end="2"/>
+                                            </p:txEl>
+                                          </p:spTgt>
+                                        </p:tgtEl>
+                                      </p:cBhvr>
+                                    </p:animEffect>
+                                  </p:childTnLst>
+                                </p:cTn>
+                              </p:par>
+                            </p:childTnLst>
+                          </p:cTn>
+                        </p:par>
+                      </p:childTnLst>
+                    </p:cTn>
+                  </p:par>
+                  <p:par>
+                    <p:cTn id="13" fill="hold">
+                      <p:stCondLst>
+                        <p:cond delay="indefinite"/>
+                      </p:stCondLst>
+                      <p:childTnLst>
+                        <p:par>
+                          <p:cTn id="14" fill="hold">
+                            <p:stCondLst>
+                              <p:cond delay="0"/>
+                            </p:stCondLst>
+                            <p:childTnLst>
+                              <p:par>
+                                <p:cTn id="15" presetID="10" presetClass="entr" presetSubtype="0" fill="hold" nodeType="clickEffect">
+                                  <p:stCondLst>
+                                    <p:cond delay="0"/>
+                                  </p:stCondLst>
+                                  <p:childTnLst>
+                                    <p:set>
+                                      <p:cBhvr>
+                                        <p:cTn id="16" dur="1" fill="hold">
+                                          <p:stCondLst>
+                                            <p:cond delay="0"/>
+                                          </p:stCondLst>
+                                        </p:cTn>
+                                        <p:tgtEl>
+                                          <p:spTgt spid="3">
+                                            <p:txEl>
+                                              <p:pRg st="3" end="3"/>
+                                            </p:txEl>
+                                          </p:spTgt>
+                                        </p:tgtEl>
+                                        <p:attrNameLst>
+                                          <p:attrName>style.visibility</p:attrName>
+                                        </p:attrNameLst>
+                                      </p:cBhvr>
+                                      <p:to>
+                                        <p:strVal val="visible"/>
+                                      </p:to>
+                                    </p:set>
+                                    <p:animEffect transition="in" filter="fade">
+                                      <p:cBhvr>
+                                        <p:cTn id="17" dur="500"/>
+                                        <p:tgtEl>
+                                          <p:spTgt spid="3">
+                                            <p:txEl>
+                                              <p:pRg st="3" end="3"/>
+                                            </p:txEl>
+                                          </p:spTgt>
+                                        </p:tgtEl>
+                                      </p:cBhvr>
+                                    </p:animEffect>
+                                  </p:childTnLst>
+                                </p:cTn>
+                              </p:par>
+                            </p:childTnLst>
+                          </p:cTn>
+                        </p:par>
+                      </p:childTnLst>
+                    </p:cTn>
+                  </p:par>
+                </p:childTnLst>
+              </p:cTn>
+              <p:prevCondLst>
+                <p:cond evt="onPrev" delay="0">
+                  <p:tgtEl>
+                    <p:sldTgt/>
+                  </p:tgtEl>
+                </p:cond>
+              </p:prevCondLst>
+              <p:nextCondLst>
+                <p:cond evt="onNext" delay="0">
+                  <p:tgtEl>
+                    <p:sldTgt/>
+                  </p:tgtEl>
+                </p:cond>
+              </p:nextCondLst>
+            </p:seq>
+          </p:childTnLst>
+        </p:cTn>
+      </p:par>
+    </p:tnLst>
+  </p:timing>
+</p:sld>
+</file>
+
+<file path=ppt/slides/slide8.xml><?xml version="1.0" encoding="utf-8"?>
+<p:sld xmlns:a="http://schemas.openxmlformats.org/drawingml/2006/main" xmlns:r="http://schemas.openxmlformats.org/officeDocument/2006/relationships" xmlns:p="http://schemas.openxmlformats.org/presentationml/2006/main">
+  <p:cSld>
+    <p:spTree>
+      <p:nvGrpSpPr>
+        <p:cNvPr id="1" name=""/>
+        <p:cNvGrpSpPr/>
+        <p:nvPr/>
+      </p:nvGrpSpPr>
+      <p:grpSpPr>
+        <a:xfrm>
+          <a:off x="0" y="0"/>
+          <a:ext cx="0" cy="0"/>
+          <a:chOff x="0" y="0"/>
+          <a:chExt cx="0" cy="0"/>
+        </a:xfrm>
+      </p:grpSpPr>
+      <p:sp>
+        <p:nvSpPr>
+          <p:cNvPr id="2" name="Title 1">
+            <a:extLst>
+              <a:ext uri="{FF2B5EF4-FFF2-40B4-BE49-F238E27FC236}">
+                <a16:creationId xmlns:a16="http://schemas.microsoft.com/office/drawing/2014/main" id="{391C29FD-B28B-9634-C041-8763FBD4CC2C}"/>
+              </a:ext>
+            </a:extLst>
+          </p:cNvPr>
+          <p:cNvSpPr>
+            <a:spLocks noGrp="1"/>
+          </p:cNvSpPr>
+          <p:nvPr>
+            <p:ph type="title"/>
+          </p:nvPr>
+        </p:nvSpPr>
+        <p:spPr/>
+        <p:txBody>
+          <a:bodyPr/>
+          <a:lstStyle/>
+          <a:p>
+            <a:r>
+              <a:rPr lang="en-US" dirty="0"/>
+              <a:t>Kinetics-400/600/700</a:t>
+            </a:r>
+            <a:endParaRPr lang="fr-FR" dirty="0"/>
+          </a:p>
+        </p:txBody>
+      </p:sp>
+      <p:sp>
+        <p:nvSpPr>
+          <p:cNvPr id="3" name="Content Placeholder 2">
+            <a:extLst>
+              <a:ext uri="{FF2B5EF4-FFF2-40B4-BE49-F238E27FC236}">
+                <a16:creationId xmlns:a16="http://schemas.microsoft.com/office/drawing/2014/main" id="{51EDE61E-E27E-DE42-6A9F-E097B499FE30}"/>
+              </a:ext>
+            </a:extLst>
+          </p:cNvPr>
+          <p:cNvSpPr>
+            <a:spLocks noGrp="1"/>
+          </p:cNvSpPr>
+          <p:nvPr>
+            <p:ph idx="1"/>
+          </p:nvPr>
+        </p:nvSpPr>
+        <p:spPr>
+          <a:xfrm>
+            <a:off x="838200" y="1825625"/>
+            <a:ext cx="10515600" cy="4667250"/>
+          </a:xfrm>
+        </p:spPr>
+        <p:txBody>
+          <a:bodyPr>
+            <a:normAutofit/>
+          </a:bodyPr>
+          <a:lstStyle/>
+          <a:p>
+            <a:pPr algn="just"/>
+            <a:r>
+              <a:rPr lang="en-US" dirty="0"/>
+              <a:t>Large-scale video action recognition dataset</a:t>
+            </a:r>
+          </a:p>
+          <a:p>
+            <a:pPr algn="just"/>
+            <a:r>
+              <a:rPr lang="en-US" dirty="0"/>
+              <a:t>650,000 video clips that cover 400/600/700 human action classes.</a:t>
+            </a:r>
+          </a:p>
+          <a:p>
+            <a:pPr algn="just"/>
+            <a:r>
+              <a:rPr lang="en-US" dirty="0"/>
+              <a:t>Human-object interactions such as playing instruments, as well as human-human interactions such as shaking hands and hugging</a:t>
+            </a:r>
+          </a:p>
+          <a:p>
+            <a:pPr algn="just"/>
+            <a:r>
+              <a:rPr lang="en-US" dirty="0"/>
+              <a:t>Each clip is human annotated with a single action class and lasts around 10 seconds.</a:t>
+            </a:r>
+          </a:p>
+        </p:txBody>
+      </p:sp>
+    </p:spTree>
+    <p:extLst>
+      <p:ext uri="{BB962C8B-B14F-4D97-AF65-F5344CB8AC3E}">
+        <p14:creationId xmlns:p14="http://schemas.microsoft.com/office/powerpoint/2010/main" val="4146438070"/>
+      </p:ext>
+    </p:extLst>
+  </p:cSld>
+  <p:clrMapOvr>
+    <a:masterClrMapping/>
+  </p:clrMapOvr>
+  <mc:AlternateContent xmlns:mc="http://schemas.openxmlformats.org/markup-compatibility/2006">
+    <mc:Choice xmlns:p14="http://schemas.microsoft.com/office/powerpoint/2010/main" Requires="p14">
+      <p:transition spd="med" p14:dur="700">
+        <p:fade/>
+      </p:transition>
+    </mc:Choice>
+    <mc:Fallback>
+      <p:transition spd="med">
+        <p:fade/>
+      </p:transition>
+    </mc:Fallback>
+  </mc:AlternateContent>
+  <p:timing>
+    <p:tnLst>
+      <p:par>
+        <p:cTn id="1" dur="indefinite" restart="never" nodeType="tmRoot">
+          <p:childTnLst>
+            <p:seq concurrent="1" nextAc="seek">
+              <p:cTn id="2" dur="indefinite" nodeType="mainSeq">
+                <p:childTnLst>
+                  <p:par>
+                    <p:cTn id="3" fill="hold">
+                      <p:stCondLst>
+                        <p:cond delay="indefinite"/>
+                      </p:stCondLst>
+                      <p:childTnLst>
+                        <p:par>
+                          <p:cTn id="4" fill="hold">
+                            <p:stCondLst>
+                              <p:cond delay="0"/>
+                            </p:stCondLst>
+                            <p:childTnLst>
+                              <p:par>
+                                <p:cTn id="5" presetID="10" presetClass="entr" presetSubtype="0" fill="hold" nodeType="clickEffect">
+                                  <p:stCondLst>
+                                    <p:cond delay="0"/>
+                                  </p:stCondLst>
+                                  <p:childTnLst>
+                                    <p:set>
+                                      <p:cBhvr>
+                                        <p:cTn id="6" dur="1" fill="hold">
+                                          <p:stCondLst>
+                                            <p:cond delay="0"/>
+                                          </p:stCondLst>
+                                        </p:cTn>
+                                        <p:tgtEl>
+                                          <p:spTgt spid="3">
+                                            <p:txEl>
+                                              <p:pRg st="1" end="1"/>
+                                            </p:txEl>
+                                          </p:spTgt>
+                                        </p:tgtEl>
+                                        <p:attrNameLst>
+                                          <p:attrName>style.visibility</p:attrName>
+                                        </p:attrNameLst>
+                                      </p:cBhvr>
+                                      <p:to>
+                                        <p:strVal val="visible"/>
+                                      </p:to>
+                                    </p:set>
+                                    <p:animEffect transition="in" filter="fade">
+                                      <p:cBhvr>
+                                        <p:cTn id="7" dur="500"/>
+                                        <p:tgtEl>
+                                          <p:spTgt spid="3">
+                                            <p:txEl>
+                                              <p:pRg st="1" end="1"/>
+                                            </p:txEl>
+                                          </p:spTgt>
+                                        </p:tgtEl>
+                                      </p:cBhvr>
+                                    </p:animEffect>
+                                  </p:childTnLst>
+                                </p:cTn>
+                              </p:par>
+                            </p:childTnLst>
+                          </p:cTn>
+                        </p:par>
+                      </p:childTnLst>
+                    </p:cTn>
+                  </p:par>
+                  <p:par>
+                    <p:cTn id="8" fill="hold">
+                      <p:stCondLst>
+                        <p:cond delay="indefinite"/>
+                      </p:stCondLst>
+                      <p:childTnLst>
+                        <p:par>
+                          <p:cTn id="9" fill="hold">
+                            <p:stCondLst>
+                              <p:cond delay="0"/>
+                            </p:stCondLst>
+                            <p:childTnLst>
+                              <p:par>
+                                <p:cTn id="10" presetID="10" presetClass="entr" presetSubtype="0" fill="hold" nodeType="clickEffect">
+                                  <p:stCondLst>
+                                    <p:cond delay="0"/>
+                                  </p:stCondLst>
+                                  <p:childTnLst>
+                                    <p:set>
+                                      <p:cBhvr>
+                                        <p:cTn id="11" dur="1" fill="hold">
+                                          <p:stCondLst>
+                                            <p:cond delay="0"/>
+                                          </p:stCondLst>
+                                        </p:cTn>
+                                        <p:tgtEl>
+                                          <p:spTgt spid="3">
+                                            <p:txEl>
+                                              <p:pRg st="2" end="2"/>
+                                            </p:txEl>
+                                          </p:spTgt>
+                                        </p:tgtEl>
+                                        <p:attrNameLst>
+                                          <p:attrName>style.visibility</p:attrName>
+                                        </p:attrNameLst>
+                                      </p:cBhvr>
+                                      <p:to>
+                                        <p:strVal val="visible"/>
+                                      </p:to>
+                                    </p:set>
+                                    <p:animEffect transition="in" filter="fade">
+                                      <p:cBhvr>
+                                        <p:cTn id="12" dur="500"/>
+                                        <p:tgtEl>
+                                          <p:spTgt spid="3">
+                                            <p:txEl>
+                                              <p:pRg st="2" end="2"/>
+                                            </p:txEl>
+                                          </p:spTgt>
+                                        </p:tgtEl>
+                                      </p:cBhvr>
+                                    </p:animEffect>
+                                  </p:childTnLst>
+                                </p:cTn>
+                              </p:par>
+                            </p:childTnLst>
+                          </p:cTn>
+                        </p:par>
+                      </p:childTnLst>
+                    </p:cTn>
+                  </p:par>
+                  <p:par>
+                    <p:cTn id="13" fill="hold">
+                      <p:stCondLst>
+                        <p:cond delay="indefinite"/>
+                      </p:stCondLst>
+                      <p:childTnLst>
+                        <p:par>
+                          <p:cTn id="14" fill="hold">
+                            <p:stCondLst>
+                              <p:cond delay="0"/>
+                            </p:stCondLst>
+                            <p:childTnLst>
+                              <p:par>
+                                <p:cTn id="15" presetID="10" presetClass="entr" presetSubtype="0" fill="hold" nodeType="clickEffect">
+                                  <p:stCondLst>
+                                    <p:cond delay="0"/>
+                                  </p:stCondLst>
+                                  <p:childTnLst>
+                                    <p:set>
+                                      <p:cBhvr>
+                                        <p:cTn id="16" dur="1" fill="hold">
+                                          <p:stCondLst>
+                                            <p:cond delay="0"/>
+                                          </p:stCondLst>
+                                        </p:cTn>
+                                        <p:tgtEl>
+                                          <p:spTgt spid="3">
+                                            <p:txEl>
+                                              <p:pRg st="3" end="3"/>
+                                            </p:txEl>
+                                          </p:spTgt>
+                                        </p:tgtEl>
+                                        <p:attrNameLst>
+                                          <p:attrName>style.visibility</p:attrName>
+                                        </p:attrNameLst>
+                                      </p:cBhvr>
+                                      <p:to>
+                                        <p:strVal val="visible"/>
+                                      </p:to>
+                                    </p:set>
+                                    <p:animEffect transition="in" filter="fade">
+                                      <p:cBhvr>
+                                        <p:cTn id="17" dur="500"/>
+                                        <p:tgtEl>
+                                          <p:spTgt spid="3">
+                                            <p:txEl>
+                                              <p:pRg st="3" end="3"/>
+                                            </p:txEl>
+                                          </p:spTgt>
+                                        </p:tgtEl>
+                                      </p:cBhvr>
+                                    </p:animEffect>
+                                  </p:childTnLst>
+                                </p:cTn>
+                              </p:par>
+                            </p:childTnLst>
+                          </p:cTn>
+                        </p:par>
+                      </p:childTnLst>
+                    </p:cTn>
+                  </p:par>
+                </p:childTnLst>
+              </p:cTn>
+              <p:prevCondLst>
+                <p:cond evt="onPrev" delay="0">
+                  <p:tgtEl>
+                    <p:sldTgt/>
+                  </p:tgtEl>
+                </p:cond>
+              </p:prevCondLst>
+              <p:nextCondLst>
+                <p:cond evt="onNext" delay="0">
+                  <p:tgtEl>
+                    <p:sldTgt/>
+                  </p:tgtEl>
+                </p:cond>
+              </p:nextCondLst>
+            </p:seq>
+          </p:childTnLst>
+        </p:cTn>
+      </p:par>
+    </p:tnLst>
+  </p:timing>
+</p:sld>
+</file>
+
+<file path=ppt/slides/slide9.xml><?xml version="1.0" encoding="utf-8"?>
+<p:sld xmlns:a="http://schemas.openxmlformats.org/drawingml/2006/main" xmlns:r="http://schemas.openxmlformats.org/officeDocument/2006/relationships" xmlns:p="http://schemas.openxmlformats.org/presentationml/2006/main">
+  <p:cSld>
+    <p:spTree>
+      <p:nvGrpSpPr>
+        <p:cNvPr id="1" name=""/>
+        <p:cNvGrpSpPr/>
+        <p:nvPr/>
+      </p:nvGrpSpPr>
+      <p:grpSpPr>
+        <a:xfrm>
+          <a:off x="0" y="0"/>
+          <a:ext cx="0" cy="0"/>
+          <a:chOff x="0" y="0"/>
+          <a:chExt cx="0" cy="0"/>
+        </a:xfrm>
+      </p:grpSpPr>
+      <p:sp>
+        <p:nvSpPr>
+          <p:cNvPr id="2" name="Title 1">
+            <a:extLst>
+              <a:ext uri="{FF2B5EF4-FFF2-40B4-BE49-F238E27FC236}">
+                <a16:creationId xmlns:a16="http://schemas.microsoft.com/office/drawing/2014/main" id="{391C29FD-B28B-9634-C041-8763FBD4CC2C}"/>
+              </a:ext>
+            </a:extLst>
+          </p:cNvPr>
+          <p:cNvSpPr>
+            <a:spLocks noGrp="1"/>
+          </p:cNvSpPr>
+          <p:nvPr>
+            <p:ph type="title"/>
+          </p:nvPr>
+        </p:nvSpPr>
+        <p:spPr/>
+        <p:txBody>
+          <a:bodyPr/>
+          <a:lstStyle/>
+          <a:p>
+            <a:r>
+              <a:rPr lang="fr-FR" dirty="0" err="1"/>
+              <a:t>Available</a:t>
+            </a:r>
+            <a:r>
+              <a:rPr lang="fr-FR" dirty="0"/>
+              <a:t> </a:t>
+            </a:r>
+            <a:r>
+              <a:rPr lang="fr-FR" dirty="0" err="1"/>
+              <a:t>models</a:t>
+            </a:r>
+            <a:r>
+              <a:rPr lang="fr-FR" dirty="0"/>
+              <a:t> in PyTorch</a:t>
+            </a:r>
+          </a:p>
+        </p:txBody>
+      </p:sp>
+      <p:pic>
+        <p:nvPicPr>
+          <p:cNvPr id="7" name="Picture 6">
+            <a:extLst>
+              <a:ext uri="{FF2B5EF4-FFF2-40B4-BE49-F238E27FC236}">
+                <a16:creationId xmlns:a16="http://schemas.microsoft.com/office/drawing/2014/main" id="{A27AF3D2-2D5E-C1D5-2C16-B13A40504D50}"/>
+              </a:ext>
+            </a:extLst>
+          </p:cNvPr>
+          <p:cNvPicPr>
+            <a:picLocks noChangeAspect="1"/>
+          </p:cNvPicPr>
+          <p:nvPr/>
+        </p:nvPicPr>
+        <p:blipFill>
+          <a:blip r:embed="rId3"/>
+          <a:stretch>
+            <a:fillRect/>
+          </a:stretch>
+        </p:blipFill>
+        <p:spPr>
+          <a:xfrm>
+            <a:off x="2480141" y="1690688"/>
+            <a:ext cx="7231717" cy="4766584"/>
+          </a:xfrm>
+          <a:prstGeom prst="rect">
+            <a:avLst/>
+          </a:prstGeom>
+        </p:spPr>
+      </p:pic>
+    </p:spTree>
+    <p:extLst>
+      <p:ext uri="{BB962C8B-B14F-4D97-AF65-F5344CB8AC3E}">
+        <p14:creationId xmlns:p14="http://schemas.microsoft.com/office/powerpoint/2010/main" val="3095320343"/>
+      </p:ext>
+    </p:extLst>
+  </p:cSld>
+  <p:clrMapOvr>
+    <a:masterClrMapping/>
+  </p:clrMapOvr>
+  <mc:AlternateContent xmlns:mc="http://schemas.openxmlformats.org/markup-compatibility/2006">
+    <mc:Choice xmlns:p14="http://schemas.microsoft.com/office/powerpoint/2010/main" Requires="p14">
+      <p:transition spd="med" p14:dur="700">
+        <p:fade/>
+      </p:transition>
+    </mc:Choice>
+    <mc:Fallback>
+      <p:transition spd="med">
+        <p:fade/>
+      </p:transition>
+    </mc:Fallback>
+  </mc:AlternateContent>
 </p:sld>
 </file>
 
